--- a/example2.pptx
+++ b/example2.pptx
@@ -5,25 +5,26 @@
     <p:sldMasterId id="2147483648" r:id="rId1"/>
   </p:sldMasterIdLst>
   <p:notesMasterIdLst>
-    <p:notesMasterId r:id="rId10"/>
+    <p:notesMasterId r:id="rId11"/>
   </p:notesMasterIdLst>
   <p:handoutMasterIdLst>
-    <p:handoutMasterId r:id="rId12"/>
+    <p:handoutMasterId r:id="rId13"/>
   </p:handoutMasterIdLst>
   <p:sldIdLst>
     <p:sldId id="283" r:id="rId3"/>
     <p:sldId id="300" r:id="rId4"/>
-    <p:sldId id="303" r:id="rId5"/>
-    <p:sldId id="299" r:id="rId6"/>
-    <p:sldId id="306" r:id="rId7"/>
-    <p:sldId id="307" r:id="rId8"/>
-    <p:sldId id="305" r:id="rId9"/>
-    <p:sldId id="304" r:id="rId11"/>
+    <p:sldId id="308" r:id="rId5"/>
+    <p:sldId id="303" r:id="rId6"/>
+    <p:sldId id="299" r:id="rId7"/>
+    <p:sldId id="306" r:id="rId8"/>
+    <p:sldId id="307" r:id="rId9"/>
+    <p:sldId id="305" r:id="rId10"/>
+    <p:sldId id="304" r:id="rId12"/>
   </p:sldIdLst>
   <p:sldSz cx="12192000" cy="6858000"/>
   <p:notesSz cx="6887845" cy="10020300"/>
   <p:custDataLst>
-    <p:tags r:id="rId20"/>
+    <p:tags r:id="rId21"/>
   </p:custDataLst>
   <p:defaultTextStyle>
     <a:defPPr>
@@ -765,7 +766,7 @@
           <a:bodyPr anchor="ctr"/>
           <a:lstStyle>
             <a:lvl1pPr marL="0" indent="0" algn="ctr">
-              <a:buFont typeface="Arial" panose="020B0604020202020204" pitchFamily="34" charset="0"/>
+              <a:buFont typeface="Arial" panose="02080604020202020204" pitchFamily="34" charset="0"/>
               <a:buNone/>
               <a:defRPr sz="3200" b="1">
                 <a:solidFill>
@@ -3043,7 +3044,7 @@
           <a:p>
             <a:pPr lvl="0" algn="ctr"/>
             <a:endParaRPr lang="zh-CN" altLang="en-US">
-              <a:latin typeface="Arial" panose="020B0604020202020204" pitchFamily="34" charset="0"/>
+              <a:latin typeface="Arial" panose="02080604020202020204" pitchFamily="34" charset="0"/>
               <a:ea typeface="微软雅黑" panose="020B0503020204020204" charset="-122"/>
             </a:endParaRPr>
           </a:p>
@@ -3896,7 +3897,7 @@
               <a:uLnTx/>
               <a:uFillTx/>
               <a:latin typeface="Calibri" panose="020F0502020204030204"/>
-              <a:ea typeface="宋体" panose="02010600030101010101" pitchFamily="2" charset="-122"/>
+              <a:ea typeface="宋体" pitchFamily="2" charset="-122"/>
               <a:cs typeface="+mn-cs"/>
             </a:endParaRPr>
           </a:p>
@@ -4113,7 +4114,7 @@
         <a:spcBef>
           <a:spcPts val="1000"/>
         </a:spcBef>
-        <a:buFont typeface="Arial" panose="020B0604020202020204" pitchFamily="34" charset="0"/>
+        <a:buFont typeface="Arial" panose="02080604020202020204" pitchFamily="34" charset="0"/>
         <a:buNone/>
         <a:defRPr kumimoji="1" sz="2800" kern="1200">
           <a:solidFill>
@@ -4131,7 +4132,7 @@
         <a:spcBef>
           <a:spcPts val="500"/>
         </a:spcBef>
-        <a:buFont typeface="Arial" panose="020B0604020202020204" pitchFamily="34" charset="0"/>
+        <a:buFont typeface="Arial" panose="02080604020202020204" pitchFamily="34" charset="0"/>
         <a:buNone/>
         <a:defRPr kumimoji="1" sz="2400" kern="1200">
           <a:solidFill>
@@ -4149,7 +4150,7 @@
         <a:spcBef>
           <a:spcPts val="500"/>
         </a:spcBef>
-        <a:buFont typeface="Arial" panose="020B0604020202020204" pitchFamily="34" charset="0"/>
+        <a:buFont typeface="Arial" panose="02080604020202020204" pitchFamily="34" charset="0"/>
         <a:buNone/>
         <a:defRPr kumimoji="1" sz="2000" kern="1200">
           <a:solidFill>
@@ -4167,7 +4168,7 @@
         <a:spcBef>
           <a:spcPts val="500"/>
         </a:spcBef>
-        <a:buFont typeface="Arial" panose="020B0604020202020204" pitchFamily="34" charset="0"/>
+        <a:buFont typeface="Arial" panose="02080604020202020204" pitchFamily="34" charset="0"/>
         <a:buNone/>
         <a:defRPr kumimoji="1" sz="1800" kern="1200">
           <a:solidFill>
@@ -4185,7 +4186,7 @@
         <a:spcBef>
           <a:spcPts val="500"/>
         </a:spcBef>
-        <a:buFont typeface="Arial" panose="020B0604020202020204" pitchFamily="34" charset="0"/>
+        <a:buFont typeface="Arial" panose="02080604020202020204" pitchFamily="34" charset="0"/>
         <a:buNone/>
         <a:defRPr kumimoji="1" sz="1800" kern="1200">
           <a:solidFill>
@@ -4203,7 +4204,7 @@
         <a:spcBef>
           <a:spcPts val="500"/>
         </a:spcBef>
-        <a:buFont typeface="Arial" panose="020B0604020202020204" pitchFamily="34" charset="0"/>
+        <a:buFont typeface="Arial" panose="02080604020202020204" pitchFamily="34" charset="0"/>
         <a:buChar char="•"/>
         <a:defRPr kumimoji="1" sz="1800" kern="1200">
           <a:solidFill>
@@ -4221,7 +4222,7 @@
         <a:spcBef>
           <a:spcPts val="500"/>
         </a:spcBef>
-        <a:buFont typeface="Arial" panose="020B0604020202020204" pitchFamily="34" charset="0"/>
+        <a:buFont typeface="Arial" panose="02080604020202020204" pitchFamily="34" charset="0"/>
         <a:buChar char="•"/>
         <a:defRPr kumimoji="1" sz="1800" kern="1200">
           <a:solidFill>
@@ -4239,7 +4240,7 @@
         <a:spcBef>
           <a:spcPts val="500"/>
         </a:spcBef>
-        <a:buFont typeface="Arial" panose="020B0604020202020204" pitchFamily="34" charset="0"/>
+        <a:buFont typeface="Arial" panose="02080604020202020204" pitchFamily="34" charset="0"/>
         <a:buChar char="•"/>
         <a:defRPr kumimoji="1" sz="1800" kern="1200">
           <a:solidFill>
@@ -4257,7 +4258,7 @@
         <a:spcBef>
           <a:spcPts val="500"/>
         </a:spcBef>
-        <a:buFont typeface="Arial" panose="020B0604020202020204" pitchFamily="34" charset="0"/>
+        <a:buFont typeface="Arial" panose="02080604020202020204" pitchFamily="34" charset="0"/>
         <a:buChar char="•"/>
         <a:defRPr kumimoji="1" sz="1800" kern="1200">
           <a:solidFill>
@@ -5027,6 +5028,130 @@
         <p:cNvGrpSpPr/>
         <p:nvPr/>
       </p:nvGrpSpPr>
+      <p:grpSpPr/>
+      <p:sp>
+        <p:nvSpPr>
+          <p:cNvPr id="2" name="标题 1"/>
+          <p:cNvSpPr>
+            <a:spLocks noGrp="1"/>
+          </p:cNvSpPr>
+          <p:nvPr>
+            <p:ph type="title"/>
+          </p:nvPr>
+        </p:nvSpPr>
+        <p:spPr/>
+        <p:txBody>
+          <a:bodyPr/>
+          <a:p>
+            <a:endParaRPr lang="zh-CN" altLang="en-US"/>
+          </a:p>
+        </p:txBody>
+      </p:sp>
+      <p:sp>
+        <p:nvSpPr>
+          <p:cNvPr id="4" name="灯片编号占位符 3"/>
+          <p:cNvSpPr>
+            <a:spLocks noGrp="1"/>
+          </p:cNvSpPr>
+          <p:nvPr>
+            <p:ph type="sldNum" sz="quarter" idx="12"/>
+          </p:nvPr>
+        </p:nvSpPr>
+        <p:spPr/>
+        <p:txBody>
+          <a:bodyPr/>
+          <a:p>
+            <a:fld id="{4749437D-70FE-43BF-981A-6C91AFE0B91F}" type="slidenum">
+              <a:rPr kumimoji="1" lang="ja-JP" altLang="en-US" smtClean="0"/>
+            </a:fld>
+            <a:endParaRPr kumimoji="1" lang="ja-JP" altLang="en-US"/>
+          </a:p>
+        </p:txBody>
+      </p:sp>
+      <p:sp>
+        <p:nvSpPr>
+          <p:cNvPr id="5" name="文本框 4"/>
+          <p:cNvSpPr txBox="1"/>
+          <p:nvPr/>
+        </p:nvSpPr>
+        <p:spPr>
+          <a:xfrm>
+            <a:off x="2675255" y="3248660"/>
+            <a:ext cx="5755640" cy="645160"/>
+          </a:xfrm>
+          <a:prstGeom prst="rect">
+            <a:avLst/>
+          </a:prstGeom>
+          <a:noFill/>
+        </p:spPr>
+        <p:txBody>
+          <a:bodyPr wrap="square" rtlCol="0">
+            <a:spAutoFit/>
+          </a:bodyPr>
+          <a:p>
+            <a:pPr algn="l"/>
+            <a:r>
+              <a:rPr lang="en-US" altLang="zh-CN" dirty="0">
+                <a:sym typeface="+mn-ea"/>
+              </a:rPr>
+              <a:t>1. </a:t>
+            </a:r>
+            <a:r>
+              <a:rPr lang="ja-JP" altLang="en-US" dirty="0">
+                <a:sym typeface="+mn-ea"/>
+              </a:rPr>
+              <a:t>コード</a:t>
+            </a:r>
+            <a:r>
+              <a:rPr lang="zh-CN" altLang="en-US" dirty="0">
+                <a:sym typeface="+mn-ea"/>
+              </a:rPr>
+              <a:t>審査</a:t>
+            </a:r>
+            <a:r>
+              <a:rPr lang="en-US" altLang="ja-JP" dirty="0">
+                <a:sym typeface="+mn-ea"/>
+              </a:rPr>
+              <a:t>AI</a:t>
+            </a:r>
+            <a:r>
+              <a:rPr lang="ja-JP" altLang="en-US" dirty="0">
+                <a:sym typeface="+mn-ea"/>
+              </a:rPr>
+              <a:t>ツール導入のイメージとメリット</a:t>
+            </a:r>
+            <a:endParaRPr lang="zh-CN" altLang="en-US" dirty="0">
+              <a:solidFill>
+                <a:schemeClr val="tx1"/>
+              </a:solidFill>
+            </a:endParaRPr>
+          </a:p>
+          <a:p>
+            <a:pPr algn="l"/>
+            <a:endParaRPr kumimoji="1" lang="zh-CN" altLang="en-US" dirty="0" smtClean="0">
+              <a:latin typeface="Meiryo" panose="020B0604030504040204" pitchFamily="50" charset="-128"/>
+              <a:ea typeface="Meiryo" panose="020B0604030504040204" pitchFamily="50" charset="-128"/>
+            </a:endParaRPr>
+          </a:p>
+        </p:txBody>
+      </p:sp>
+    </p:spTree>
+  </p:cSld>
+  <p:clrMapOvr>
+    <a:masterClrMapping/>
+  </p:clrMapOvr>
+</p:sld>
+</file>
+
+<file path=ppt/slides/slide4.xml><?xml version="1.0" encoding="utf-8"?>
+<p:sld xmlns:a="http://schemas.openxmlformats.org/drawingml/2006/main" xmlns:r="http://schemas.openxmlformats.org/officeDocument/2006/relationships" xmlns:p="http://schemas.openxmlformats.org/presentationml/2006/main">
+  <p:cSld>
+    <p:spTree>
+      <p:nvGrpSpPr>
+        <p:cNvPr id="1" name=""/>
+        <p:cNvGrpSpPr/>
+        <p:nvPr/>
+      </p:nvGrpSpPr>
       <p:grpSpPr>
         <a:xfrm>
           <a:off x="0" y="0"/>
@@ -5176,473 +5301,458 @@
           </a:p>
         </p:txBody>
       </p:sp>
-      <p:grpSp>
-        <p:nvGrpSpPr>
-          <p:cNvPr id="26" name="组合 25"/>
-          <p:cNvGrpSpPr/>
+      <p:sp>
+        <p:nvSpPr>
+          <p:cNvPr id="23" name="流程图: 可选过程 22"/>
+          <p:cNvSpPr/>
           <p:nvPr/>
-        </p:nvGrpSpPr>
-        <p:grpSpPr>
-          <a:xfrm>
-            <a:off x="712556" y="776795"/>
-            <a:ext cx="4936672" cy="4613417"/>
-            <a:chOff x="745671" y="760987"/>
-            <a:chExt cx="4936672" cy="4613417"/>
-          </a:xfrm>
-        </p:grpSpPr>
-        <p:sp>
-          <p:nvSpPr>
-            <p:cNvPr id="23" name="流程图: 可选过程 22"/>
-            <p:cNvSpPr/>
-            <p:nvPr/>
-          </p:nvSpPr>
-          <p:spPr>
-            <a:xfrm>
-              <a:off x="745671" y="760987"/>
-              <a:ext cx="4936672" cy="4613417"/>
-            </a:xfrm>
-            <a:prstGeom prst="flowChartAlternateProcess">
-              <a:avLst/>
-            </a:prstGeom>
-            <a:solidFill>
-              <a:schemeClr val="accent4">
-                <a:lumMod val="20000"/>
-                <a:lumOff val="80000"/>
-              </a:schemeClr>
-            </a:solidFill>
-          </p:spPr>
-          <p:style>
-            <a:lnRef idx="2">
-              <a:schemeClr val="accent1">
-                <a:shade val="50000"/>
-              </a:schemeClr>
-            </a:lnRef>
-            <a:fillRef idx="1">
-              <a:schemeClr val="accent1"/>
-            </a:fillRef>
-            <a:effectRef idx="0">
-              <a:schemeClr val="accent1"/>
-            </a:effectRef>
-            <a:fontRef idx="minor">
-              <a:schemeClr val="lt1"/>
-            </a:fontRef>
-          </p:style>
-          <p:txBody>
-            <a:bodyPr rtlCol="0" anchor="t"/>
-            <a:lstStyle/>
-            <a:p>
-              <a:pPr algn="ctr"/>
-              <a:r>
-                <a:rPr lang="ja-JP" altLang="en-US" dirty="0">
-                  <a:solidFill>
-                    <a:schemeClr val="tx1"/>
-                  </a:solidFill>
-                </a:rPr>
-                <a:t>既存のコード修正手順</a:t>
-              </a:r>
-              <a:endParaRPr lang="ja-JP" altLang="en-US" dirty="0">
+        </p:nvSpPr>
+        <p:spPr>
+          <a:xfrm>
+            <a:off x="712470" y="803910"/>
+            <a:ext cx="4936490" cy="4613275"/>
+          </a:xfrm>
+          <a:prstGeom prst="flowChartAlternateProcess">
+            <a:avLst/>
+          </a:prstGeom>
+          <a:solidFill>
+            <a:schemeClr val="accent4">
+              <a:lumMod val="20000"/>
+              <a:lumOff val="80000"/>
+            </a:schemeClr>
+          </a:solidFill>
+        </p:spPr>
+        <p:style>
+          <a:lnRef idx="2">
+            <a:schemeClr val="accent1">
+              <a:shade val="50000"/>
+            </a:schemeClr>
+          </a:lnRef>
+          <a:fillRef idx="1">
+            <a:schemeClr val="accent1"/>
+          </a:fillRef>
+          <a:effectRef idx="0">
+            <a:schemeClr val="accent1"/>
+          </a:effectRef>
+          <a:fontRef idx="minor">
+            <a:schemeClr val="lt1"/>
+          </a:fontRef>
+        </p:style>
+        <p:txBody>
+          <a:bodyPr rtlCol="0" anchor="t"/>
+          <a:lstStyle/>
+          <a:p>
+            <a:pPr algn="ctr"/>
+            <a:r>
+              <a:rPr lang="ja-JP" altLang="en-US" dirty="0">
                 <a:solidFill>
                   <a:schemeClr val="tx1"/>
                 </a:solidFill>
-              </a:endParaRPr>
-            </a:p>
-            <a:p>
-              <a:pPr algn="ctr"/>
-              <a:endParaRPr lang="zh-CN" altLang="en-US" dirty="0"/>
-            </a:p>
-          </p:txBody>
-        </p:sp>
-        <p:sp>
-          <p:nvSpPr>
-            <p:cNvPr id="9" name="正方形/長方形 4"/>
-            <p:cNvSpPr/>
-            <p:nvPr/>
-          </p:nvSpPr>
-          <p:spPr>
-            <a:xfrm>
-              <a:off x="1002718" y="1550445"/>
-              <a:ext cx="4336725" cy="424542"/>
-            </a:xfrm>
-            <a:prstGeom prst="rect">
-              <a:avLst/>
-            </a:prstGeom>
+              </a:rPr>
+              <a:t>既存のコード修正手順</a:t>
+            </a:r>
+            <a:endParaRPr lang="ja-JP" altLang="en-US" dirty="0">
+              <a:solidFill>
+                <a:schemeClr val="tx1"/>
+              </a:solidFill>
+            </a:endParaRPr>
+          </a:p>
+          <a:p>
+            <a:pPr algn="ctr"/>
+            <a:endParaRPr lang="zh-CN" altLang="en-US" dirty="0"/>
+          </a:p>
+        </p:txBody>
+      </p:sp>
+      <p:sp>
+        <p:nvSpPr>
+          <p:cNvPr id="9" name="正方形/長方形 4"/>
+          <p:cNvSpPr/>
+          <p:nvPr/>
+        </p:nvSpPr>
+        <p:spPr>
+          <a:xfrm>
+            <a:off x="969645" y="1593850"/>
+            <a:ext cx="4336415" cy="424815"/>
+          </a:xfrm>
+          <a:prstGeom prst="rect">
+            <a:avLst/>
+          </a:prstGeom>
+          <a:solidFill>
+            <a:schemeClr val="accent5">
+              <a:lumMod val="40000"/>
+              <a:lumOff val="60000"/>
+            </a:schemeClr>
+          </a:solidFill>
+          <a:ln>
             <a:solidFill>
               <a:schemeClr val="accent5">
                 <a:lumMod val="40000"/>
                 <a:lumOff val="60000"/>
               </a:schemeClr>
             </a:solidFill>
-            <a:ln>
-              <a:solidFill>
-                <a:schemeClr val="accent5">
-                  <a:lumMod val="40000"/>
-                  <a:lumOff val="60000"/>
-                </a:schemeClr>
-              </a:solidFill>
-            </a:ln>
-          </p:spPr>
-          <p:style>
-            <a:lnRef idx="2">
-              <a:schemeClr val="accent1">
-                <a:shade val="50000"/>
-              </a:schemeClr>
-            </a:lnRef>
-            <a:fillRef idx="1">
-              <a:schemeClr val="accent1"/>
-            </a:fillRef>
-            <a:effectRef idx="0">
-              <a:schemeClr val="accent1"/>
-            </a:effectRef>
-            <a:fontRef idx="minor">
-              <a:schemeClr val="lt1"/>
-            </a:fontRef>
-          </p:style>
-          <p:txBody>
-            <a:bodyPr rtlCol="0" anchor="ctr"/>
-            <a:lstStyle/>
-            <a:p>
-              <a:r>
-                <a:rPr kumimoji="1" lang="ja-JP" altLang="en-US" dirty="0">
-                  <a:solidFill>
-                    <a:schemeClr val="tx1"/>
-                  </a:solidFill>
-                </a:rPr>
-                <a:t>変更点要求の分析</a:t>
-              </a:r>
-              <a:endParaRPr kumimoji="1" lang="ja-JP" altLang="en-US" dirty="0">
+          </a:ln>
+        </p:spPr>
+        <p:style>
+          <a:lnRef idx="2">
+            <a:schemeClr val="accent1">
+              <a:shade val="50000"/>
+            </a:schemeClr>
+          </a:lnRef>
+          <a:fillRef idx="1">
+            <a:schemeClr val="accent1"/>
+          </a:fillRef>
+          <a:effectRef idx="0">
+            <a:schemeClr val="accent1"/>
+          </a:effectRef>
+          <a:fontRef idx="minor">
+            <a:schemeClr val="lt1"/>
+          </a:fontRef>
+        </p:style>
+        <p:txBody>
+          <a:bodyPr rtlCol="0" anchor="ctr"/>
+          <a:lstStyle/>
+          <a:p>
+            <a:r>
+              <a:rPr kumimoji="1" lang="ja-JP" altLang="en-US" dirty="0">
                 <a:solidFill>
                   <a:schemeClr val="tx1"/>
                 </a:solidFill>
-              </a:endParaRPr>
-            </a:p>
-          </p:txBody>
-        </p:sp>
-        <p:sp>
-          <p:nvSpPr>
-            <p:cNvPr id="10" name="正方形/長方形 4"/>
-            <p:cNvSpPr/>
-            <p:nvPr/>
-          </p:nvSpPr>
-          <p:spPr>
-            <a:xfrm>
-              <a:off x="1002718" y="2183575"/>
-              <a:ext cx="4336725" cy="424542"/>
-            </a:xfrm>
-            <a:prstGeom prst="rect">
-              <a:avLst/>
-            </a:prstGeom>
+              </a:rPr>
+              <a:t>変更点要求の分析</a:t>
+            </a:r>
+            <a:endParaRPr kumimoji="1" lang="ja-JP" altLang="en-US" dirty="0">
+              <a:solidFill>
+                <a:schemeClr val="tx1"/>
+              </a:solidFill>
+            </a:endParaRPr>
+          </a:p>
+        </p:txBody>
+      </p:sp>
+      <p:sp>
+        <p:nvSpPr>
+          <p:cNvPr id="10" name="正方形/長方形 4"/>
+          <p:cNvSpPr/>
+          <p:nvPr/>
+        </p:nvSpPr>
+        <p:spPr>
+          <a:xfrm>
+            <a:off x="969645" y="2226945"/>
+            <a:ext cx="4336415" cy="424815"/>
+          </a:xfrm>
+          <a:prstGeom prst="rect">
+            <a:avLst/>
+          </a:prstGeom>
+          <a:solidFill>
+            <a:schemeClr val="accent5">
+              <a:lumMod val="40000"/>
+              <a:lumOff val="60000"/>
+            </a:schemeClr>
+          </a:solidFill>
+          <a:ln>
             <a:solidFill>
               <a:schemeClr val="accent5">
                 <a:lumMod val="40000"/>
                 <a:lumOff val="60000"/>
               </a:schemeClr>
             </a:solidFill>
-            <a:ln>
-              <a:solidFill>
-                <a:schemeClr val="accent5">
-                  <a:lumMod val="40000"/>
-                  <a:lumOff val="60000"/>
-                </a:schemeClr>
-              </a:solidFill>
-            </a:ln>
-          </p:spPr>
-          <p:style>
-            <a:lnRef idx="2">
-              <a:schemeClr val="accent1">
-                <a:shade val="50000"/>
-              </a:schemeClr>
-            </a:lnRef>
-            <a:fillRef idx="1">
-              <a:schemeClr val="accent1"/>
-            </a:fillRef>
-            <a:effectRef idx="0">
-              <a:schemeClr val="accent1"/>
-            </a:effectRef>
-            <a:fontRef idx="minor">
-              <a:schemeClr val="lt1"/>
-            </a:fontRef>
-          </p:style>
-          <p:txBody>
-            <a:bodyPr rtlCol="0" anchor="ctr"/>
-            <a:lstStyle/>
-            <a:p>
-              <a:r>
-                <a:rPr lang="ja-JP" altLang="en-US" dirty="0">
-                  <a:solidFill>
-                    <a:schemeClr val="tx1"/>
-                  </a:solidFill>
-                </a:rPr>
-                <a:t>変更案の策定（変更箇所の洗い出し含む）</a:t>
-              </a:r>
-              <a:endParaRPr kumimoji="1" lang="ja-JP" altLang="en-US" dirty="0">
+          </a:ln>
+        </p:spPr>
+        <p:style>
+          <a:lnRef idx="2">
+            <a:schemeClr val="accent1">
+              <a:shade val="50000"/>
+            </a:schemeClr>
+          </a:lnRef>
+          <a:fillRef idx="1">
+            <a:schemeClr val="accent1"/>
+          </a:fillRef>
+          <a:effectRef idx="0">
+            <a:schemeClr val="accent1"/>
+          </a:effectRef>
+          <a:fontRef idx="minor">
+            <a:schemeClr val="lt1"/>
+          </a:fontRef>
+        </p:style>
+        <p:txBody>
+          <a:bodyPr rtlCol="0" anchor="ctr"/>
+          <a:lstStyle/>
+          <a:p>
+            <a:r>
+              <a:rPr lang="ja-JP" altLang="en-US" dirty="0">
                 <a:solidFill>
                   <a:schemeClr val="tx1"/>
                 </a:solidFill>
-              </a:endParaRPr>
-            </a:p>
-          </p:txBody>
-        </p:sp>
-        <p:sp>
-          <p:nvSpPr>
-            <p:cNvPr id="11" name="正方形/長方形 4"/>
-            <p:cNvSpPr/>
-            <p:nvPr/>
-          </p:nvSpPr>
-          <p:spPr>
-            <a:xfrm>
-              <a:off x="1002718" y="2816705"/>
-              <a:ext cx="4336725" cy="424542"/>
-            </a:xfrm>
-            <a:prstGeom prst="rect">
-              <a:avLst/>
-            </a:prstGeom>
+              </a:rPr>
+              <a:t>変更案の策定（変更箇所の洗い出し含む）</a:t>
+            </a:r>
+            <a:endParaRPr kumimoji="1" lang="ja-JP" altLang="en-US" dirty="0">
+              <a:solidFill>
+                <a:schemeClr val="tx1"/>
+              </a:solidFill>
+            </a:endParaRPr>
+          </a:p>
+        </p:txBody>
+      </p:sp>
+      <p:sp>
+        <p:nvSpPr>
+          <p:cNvPr id="11" name="正方形/長方形 4"/>
+          <p:cNvSpPr/>
+          <p:nvPr/>
+        </p:nvSpPr>
+        <p:spPr>
+          <a:xfrm>
+            <a:off x="969645" y="2860040"/>
+            <a:ext cx="4336415" cy="424815"/>
+          </a:xfrm>
+          <a:prstGeom prst="rect">
+            <a:avLst/>
+          </a:prstGeom>
+          <a:solidFill>
+            <a:schemeClr val="accent5">
+              <a:lumMod val="40000"/>
+              <a:lumOff val="60000"/>
+            </a:schemeClr>
+          </a:solidFill>
+          <a:ln>
             <a:solidFill>
               <a:schemeClr val="accent5">
                 <a:lumMod val="40000"/>
                 <a:lumOff val="60000"/>
               </a:schemeClr>
             </a:solidFill>
-            <a:ln>
-              <a:solidFill>
-                <a:schemeClr val="accent5">
-                  <a:lumMod val="40000"/>
-                  <a:lumOff val="60000"/>
-                </a:schemeClr>
-              </a:solidFill>
-            </a:ln>
-          </p:spPr>
-          <p:style>
-            <a:lnRef idx="2">
-              <a:schemeClr val="accent1">
-                <a:shade val="50000"/>
-              </a:schemeClr>
-            </a:lnRef>
-            <a:fillRef idx="1">
-              <a:schemeClr val="accent1"/>
-            </a:fillRef>
-            <a:effectRef idx="0">
-              <a:schemeClr val="accent1"/>
-            </a:effectRef>
-            <a:fontRef idx="minor">
-              <a:schemeClr val="lt1"/>
-            </a:fontRef>
-          </p:style>
-          <p:txBody>
-            <a:bodyPr rtlCol="0" anchor="ctr"/>
-            <a:lstStyle/>
-            <a:p>
-              <a:r>
-                <a:rPr kumimoji="1" lang="ja-JP" altLang="en-US" dirty="0">
-                  <a:solidFill>
-                    <a:schemeClr val="tx1"/>
-                  </a:solidFill>
-                </a:rPr>
-                <a:t>コード修正実施</a:t>
-              </a:r>
-              <a:endParaRPr kumimoji="1" lang="ja-JP" altLang="en-US" dirty="0">
+          </a:ln>
+        </p:spPr>
+        <p:style>
+          <a:lnRef idx="2">
+            <a:schemeClr val="accent1">
+              <a:shade val="50000"/>
+            </a:schemeClr>
+          </a:lnRef>
+          <a:fillRef idx="1">
+            <a:schemeClr val="accent1"/>
+          </a:fillRef>
+          <a:effectRef idx="0">
+            <a:schemeClr val="accent1"/>
+          </a:effectRef>
+          <a:fontRef idx="minor">
+            <a:schemeClr val="lt1"/>
+          </a:fontRef>
+        </p:style>
+        <p:txBody>
+          <a:bodyPr rtlCol="0" anchor="ctr"/>
+          <a:lstStyle/>
+          <a:p>
+            <a:r>
+              <a:rPr kumimoji="1" lang="ja-JP" altLang="en-US" dirty="0">
                 <a:solidFill>
                   <a:schemeClr val="tx1"/>
                 </a:solidFill>
-              </a:endParaRPr>
-            </a:p>
-          </p:txBody>
-        </p:sp>
-        <p:sp>
-          <p:nvSpPr>
-            <p:cNvPr id="12" name="正方形/長方形 4"/>
-            <p:cNvSpPr/>
-            <p:nvPr/>
-          </p:nvSpPr>
-          <p:spPr>
-            <a:xfrm>
-              <a:off x="1002718" y="4082965"/>
-              <a:ext cx="4336725" cy="424542"/>
-            </a:xfrm>
-            <a:prstGeom prst="rect">
-              <a:avLst/>
-            </a:prstGeom>
+              </a:rPr>
+              <a:t>コード修正実施</a:t>
+            </a:r>
+            <a:endParaRPr kumimoji="1" lang="ja-JP" altLang="en-US" dirty="0">
+              <a:solidFill>
+                <a:schemeClr val="tx1"/>
+              </a:solidFill>
+            </a:endParaRPr>
+          </a:p>
+        </p:txBody>
+      </p:sp>
+      <p:sp>
+        <p:nvSpPr>
+          <p:cNvPr id="12" name="正方形/長方形 4"/>
+          <p:cNvSpPr/>
+          <p:nvPr/>
+        </p:nvSpPr>
+        <p:spPr>
+          <a:xfrm>
+            <a:off x="969645" y="4126230"/>
+            <a:ext cx="4336415" cy="424815"/>
+          </a:xfrm>
+          <a:prstGeom prst="rect">
+            <a:avLst/>
+          </a:prstGeom>
+          <a:solidFill>
+            <a:schemeClr val="accent5">
+              <a:lumMod val="40000"/>
+              <a:lumOff val="60000"/>
+            </a:schemeClr>
+          </a:solidFill>
+          <a:ln>
             <a:solidFill>
               <a:schemeClr val="accent5">
                 <a:lumMod val="40000"/>
                 <a:lumOff val="60000"/>
               </a:schemeClr>
             </a:solidFill>
-            <a:ln>
-              <a:solidFill>
-                <a:schemeClr val="accent5">
-                  <a:lumMod val="40000"/>
-                  <a:lumOff val="60000"/>
-                </a:schemeClr>
-              </a:solidFill>
-            </a:ln>
-          </p:spPr>
-          <p:style>
-            <a:lnRef idx="2">
-              <a:schemeClr val="accent1">
-                <a:shade val="50000"/>
-              </a:schemeClr>
-            </a:lnRef>
-            <a:fillRef idx="1">
-              <a:schemeClr val="accent1"/>
-            </a:fillRef>
-            <a:effectRef idx="0">
-              <a:schemeClr val="accent1"/>
-            </a:effectRef>
-            <a:fontRef idx="minor">
-              <a:schemeClr val="lt1"/>
-            </a:fontRef>
-          </p:style>
-          <p:txBody>
-            <a:bodyPr rtlCol="0" anchor="ctr"/>
-            <a:lstStyle/>
-            <a:p>
-              <a:r>
-                <a:rPr kumimoji="1" lang="ja-JP" altLang="en-US" dirty="0">
-                  <a:solidFill>
-                    <a:schemeClr val="tx1"/>
-                  </a:solidFill>
-                </a:rPr>
-                <a:t>レビュー</a:t>
-              </a:r>
-              <a:endParaRPr kumimoji="1" lang="ja-JP" altLang="en-US" dirty="0">
+          </a:ln>
+        </p:spPr>
+        <p:style>
+          <a:lnRef idx="2">
+            <a:schemeClr val="accent1">
+              <a:shade val="50000"/>
+            </a:schemeClr>
+          </a:lnRef>
+          <a:fillRef idx="1">
+            <a:schemeClr val="accent1"/>
+          </a:fillRef>
+          <a:effectRef idx="0">
+            <a:schemeClr val="accent1"/>
+          </a:effectRef>
+          <a:fontRef idx="minor">
+            <a:schemeClr val="lt1"/>
+          </a:fontRef>
+        </p:style>
+        <p:txBody>
+          <a:bodyPr rtlCol="0" anchor="ctr"/>
+          <a:lstStyle/>
+          <a:p>
+            <a:r>
+              <a:rPr kumimoji="1" lang="ja-JP" altLang="en-US" dirty="0">
                 <a:solidFill>
                   <a:schemeClr val="tx1"/>
                 </a:solidFill>
-              </a:endParaRPr>
-            </a:p>
-          </p:txBody>
-        </p:sp>
-        <p:sp>
-          <p:nvSpPr>
-            <p:cNvPr id="13" name="正方形/長方形 4"/>
-            <p:cNvSpPr/>
-            <p:nvPr/>
-          </p:nvSpPr>
-          <p:spPr>
-            <a:xfrm>
-              <a:off x="1002718" y="4716095"/>
-              <a:ext cx="4336725" cy="424542"/>
-            </a:xfrm>
-            <a:prstGeom prst="rect">
-              <a:avLst/>
-            </a:prstGeom>
+              </a:rPr>
+              <a:t>レビュー</a:t>
+            </a:r>
+            <a:endParaRPr kumimoji="1" lang="ja-JP" altLang="en-US" dirty="0">
+              <a:solidFill>
+                <a:schemeClr val="tx1"/>
+              </a:solidFill>
+            </a:endParaRPr>
+          </a:p>
+        </p:txBody>
+      </p:sp>
+      <p:sp>
+        <p:nvSpPr>
+          <p:cNvPr id="13" name="正方形/長方形 4"/>
+          <p:cNvSpPr/>
+          <p:nvPr/>
+        </p:nvSpPr>
+        <p:spPr>
+          <a:xfrm>
+            <a:off x="969645" y="4759325"/>
+            <a:ext cx="4336415" cy="424815"/>
+          </a:xfrm>
+          <a:prstGeom prst="rect">
+            <a:avLst/>
+          </a:prstGeom>
+          <a:solidFill>
+            <a:schemeClr val="accent5">
+              <a:lumMod val="40000"/>
+              <a:lumOff val="60000"/>
+            </a:schemeClr>
+          </a:solidFill>
+          <a:ln>
             <a:solidFill>
               <a:schemeClr val="accent5">
                 <a:lumMod val="40000"/>
                 <a:lumOff val="60000"/>
               </a:schemeClr>
             </a:solidFill>
-            <a:ln>
-              <a:solidFill>
-                <a:schemeClr val="accent5">
-                  <a:lumMod val="40000"/>
-                  <a:lumOff val="60000"/>
-                </a:schemeClr>
-              </a:solidFill>
-            </a:ln>
-          </p:spPr>
-          <p:style>
-            <a:lnRef idx="2">
-              <a:schemeClr val="accent1">
-                <a:shade val="50000"/>
-              </a:schemeClr>
-            </a:lnRef>
-            <a:fillRef idx="1">
-              <a:schemeClr val="accent1"/>
-            </a:fillRef>
-            <a:effectRef idx="0">
-              <a:schemeClr val="accent1"/>
-            </a:effectRef>
-            <a:fontRef idx="minor">
-              <a:schemeClr val="lt1"/>
-            </a:fontRef>
-          </p:style>
-          <p:txBody>
-            <a:bodyPr rtlCol="0" anchor="ctr"/>
-            <a:lstStyle/>
-            <a:p>
-              <a:r>
-                <a:rPr kumimoji="1" lang="ja-JP" altLang="en-US" dirty="0">
-                  <a:solidFill>
-                    <a:schemeClr val="tx1"/>
-                  </a:solidFill>
-                </a:rPr>
-                <a:t>成果物提出</a:t>
-              </a:r>
-              <a:endParaRPr kumimoji="1" lang="ja-JP" altLang="en-US" dirty="0">
+          </a:ln>
+        </p:spPr>
+        <p:style>
+          <a:lnRef idx="2">
+            <a:schemeClr val="accent1">
+              <a:shade val="50000"/>
+            </a:schemeClr>
+          </a:lnRef>
+          <a:fillRef idx="1">
+            <a:schemeClr val="accent1"/>
+          </a:fillRef>
+          <a:effectRef idx="0">
+            <a:schemeClr val="accent1"/>
+          </a:effectRef>
+          <a:fontRef idx="minor">
+            <a:schemeClr val="lt1"/>
+          </a:fontRef>
+        </p:style>
+        <p:txBody>
+          <a:bodyPr rtlCol="0" anchor="ctr"/>
+          <a:lstStyle/>
+          <a:p>
+            <a:r>
+              <a:rPr kumimoji="1" lang="ja-JP" altLang="en-US" dirty="0">
                 <a:solidFill>
                   <a:schemeClr val="tx1"/>
                 </a:solidFill>
-              </a:endParaRPr>
-            </a:p>
-          </p:txBody>
-        </p:sp>
-        <p:sp>
-          <p:nvSpPr>
-            <p:cNvPr id="19" name="正方形/長方形 4"/>
-            <p:cNvSpPr/>
-            <p:nvPr/>
-          </p:nvSpPr>
-          <p:spPr>
-            <a:xfrm>
-              <a:off x="1002718" y="3449835"/>
-              <a:ext cx="4336725" cy="424542"/>
-            </a:xfrm>
-            <a:prstGeom prst="rect">
-              <a:avLst/>
-            </a:prstGeom>
+              </a:rPr>
+              <a:t>成果物提出</a:t>
+            </a:r>
+            <a:endParaRPr kumimoji="1" lang="ja-JP" altLang="en-US" dirty="0">
+              <a:solidFill>
+                <a:schemeClr val="tx1"/>
+              </a:solidFill>
+            </a:endParaRPr>
+          </a:p>
+        </p:txBody>
+      </p:sp>
+      <p:sp>
+        <p:nvSpPr>
+          <p:cNvPr id="19" name="正方形/長方形 4"/>
+          <p:cNvSpPr/>
+          <p:nvPr/>
+        </p:nvSpPr>
+        <p:spPr>
+          <a:xfrm>
+            <a:off x="969645" y="3493135"/>
+            <a:ext cx="4336415" cy="424815"/>
+          </a:xfrm>
+          <a:prstGeom prst="rect">
+            <a:avLst/>
+          </a:prstGeom>
+          <a:solidFill>
+            <a:schemeClr val="accent5">
+              <a:lumMod val="40000"/>
+              <a:lumOff val="60000"/>
+            </a:schemeClr>
+          </a:solidFill>
+          <a:ln>
             <a:solidFill>
               <a:schemeClr val="accent5">
                 <a:lumMod val="40000"/>
                 <a:lumOff val="60000"/>
               </a:schemeClr>
             </a:solidFill>
-            <a:ln>
-              <a:solidFill>
-                <a:schemeClr val="accent5">
-                  <a:lumMod val="40000"/>
-                  <a:lumOff val="60000"/>
-                </a:schemeClr>
-              </a:solidFill>
-            </a:ln>
-          </p:spPr>
-          <p:style>
-            <a:lnRef idx="2">
-              <a:schemeClr val="accent1">
-                <a:shade val="50000"/>
-              </a:schemeClr>
-            </a:lnRef>
-            <a:fillRef idx="1">
-              <a:schemeClr val="accent1"/>
-            </a:fillRef>
-            <a:effectRef idx="0">
-              <a:schemeClr val="accent1"/>
-            </a:effectRef>
-            <a:fontRef idx="minor">
-              <a:schemeClr val="lt1"/>
-            </a:fontRef>
-          </p:style>
-          <p:txBody>
-            <a:bodyPr rtlCol="0" anchor="ctr"/>
-            <a:lstStyle/>
-            <a:p>
-              <a:r>
-                <a:rPr kumimoji="1" lang="ja-JP" altLang="en-US" dirty="0">
-                  <a:solidFill>
-                    <a:schemeClr val="tx1"/>
-                  </a:solidFill>
-                </a:rPr>
-                <a:t>テスト実施</a:t>
-              </a:r>
-              <a:endParaRPr kumimoji="1" lang="ja-JP" altLang="en-US" dirty="0">
+          </a:ln>
+        </p:spPr>
+        <p:style>
+          <a:lnRef idx="2">
+            <a:schemeClr val="accent1">
+              <a:shade val="50000"/>
+            </a:schemeClr>
+          </a:lnRef>
+          <a:fillRef idx="1">
+            <a:schemeClr val="accent1"/>
+          </a:fillRef>
+          <a:effectRef idx="0">
+            <a:schemeClr val="accent1"/>
+          </a:effectRef>
+          <a:fontRef idx="minor">
+            <a:schemeClr val="lt1"/>
+          </a:fontRef>
+        </p:style>
+        <p:txBody>
+          <a:bodyPr rtlCol="0" anchor="ctr"/>
+          <a:lstStyle/>
+          <a:p>
+            <a:r>
+              <a:rPr kumimoji="1" lang="ja-JP" altLang="en-US" dirty="0">
                 <a:solidFill>
                   <a:schemeClr val="tx1"/>
                 </a:solidFill>
-              </a:endParaRPr>
-            </a:p>
-          </p:txBody>
-        </p:sp>
-      </p:grpSp>
+              </a:rPr>
+              <a:t>テスト実施</a:t>
+            </a:r>
+            <a:endParaRPr kumimoji="1" lang="ja-JP" altLang="en-US" dirty="0">
+              <a:solidFill>
+                <a:schemeClr val="tx1"/>
+              </a:solidFill>
+            </a:endParaRPr>
+          </a:p>
+        </p:txBody>
+      </p:sp>
       <p:grpSp>
         <p:nvGrpSpPr>
           <p:cNvPr id="25" name="组合 24"/>
@@ -6226,6 +6336,49 @@
           </a:p>
         </p:txBody>
       </p:sp>
+      <p:sp>
+        <p:nvSpPr>
+          <p:cNvPr id="3" name="文本框 2"/>
+          <p:cNvSpPr txBox="1"/>
+          <p:nvPr/>
+        </p:nvSpPr>
+        <p:spPr>
+          <a:xfrm>
+            <a:off x="5469255" y="684530"/>
+            <a:ext cx="4064000" cy="368300"/>
+          </a:xfrm>
+          <a:prstGeom prst="rect">
+            <a:avLst/>
+          </a:prstGeom>
+          <a:noFill/>
+        </p:spPr>
+        <p:txBody>
+          <a:bodyPr wrap="square" rtlCol="0">
+            <a:spAutoFit/>
+          </a:bodyPr>
+          <a:p>
+            <a:pPr algn="l"/>
+            <a:r>
+              <a:rPr kumimoji="1" lang="en-US" altLang="zh-CN" dirty="0" smtClean="0">
+                <a:latin typeface="Meiryo" panose="020B0604030504040204" pitchFamily="50" charset="-128"/>
+                <a:ea typeface="Meiryo" panose="020B0604030504040204" pitchFamily="50" charset="-128"/>
+              </a:rPr>
+              <a:t>ADAS</a:t>
+            </a:r>
+            <a:r>
+              <a:rPr kumimoji="1" lang="zh-CN" altLang="en-US" dirty="0" smtClean="0">
+                <a:latin typeface="Meiryo" panose="020B0604030504040204" pitchFamily="50" charset="-128"/>
+                <a:ea typeface="Meiryo" panose="020B0604030504040204" pitchFamily="50" charset="-128"/>
+              </a:rPr>
+              <a:t>领域内的解决方案</a:t>
+            </a:r>
+            <a:endParaRPr kumimoji="1" lang="zh-CN" altLang="en-US" dirty="0" smtClean="0">
+              <a:latin typeface="Meiryo" panose="020B0604030504040204" pitchFamily="50" charset="-128"/>
+              <a:ea typeface="Meiryo" panose="020B0604030504040204" pitchFamily="50" charset="-128"/>
+            </a:endParaRPr>
+          </a:p>
+        </p:txBody>
+      </p:sp>
     </p:spTree>
   </p:cSld>
   <p:clrMapOvr>
@@ -6234,7 +6387,7 @@
 </p:sld>
 </file>
 
-<file path=ppt/slides/slide4.xml><?xml version="1.0" encoding="utf-8"?>
+<file path=ppt/slides/slide5.xml><?xml version="1.0" encoding="utf-8"?>
 <p:sld xmlns:a="http://schemas.openxmlformats.org/drawingml/2006/main" xmlns:r="http://schemas.openxmlformats.org/officeDocument/2006/relationships" xmlns:p="http://schemas.openxmlformats.org/presentationml/2006/main">
   <p:cSld>
     <p:spTree>
@@ -6516,161 +6669,161 @@
                       </a:pPr>
                       <a:r>
                         <a:rPr lang="zh-CN" altLang="en-US" sz="1400" dirty="0">
-                          <a:ea typeface="宋体" panose="02010600030101010101" pitchFamily="2" charset="-122"/>
+                          <a:ea typeface="宋体" pitchFamily="2" charset="-122"/>
                           <a:sym typeface="+mn-ea"/>
                         </a:rPr>
                         <a:t>人間</a:t>
                       </a:r>
                       <a:r>
                         <a:rPr lang="ja-JP" altLang="en-US" sz="1400" dirty="0">
-                          <a:ea typeface="宋体" panose="02010600030101010101" pitchFamily="2" charset="-122"/>
+                          <a:ea typeface="宋体" pitchFamily="2" charset="-122"/>
                           <a:sym typeface="+mn-ea"/>
                         </a:rPr>
                         <a:t>のレビューを</a:t>
                       </a:r>
                       <a:r>
                         <a:rPr lang="zh-CN" altLang="en-US" sz="1400" dirty="0">
-                          <a:ea typeface="宋体" panose="02010600030101010101" pitchFamily="2" charset="-122"/>
+                          <a:ea typeface="宋体" pitchFamily="2" charset="-122"/>
                           <a:sym typeface="+mn-ea"/>
                         </a:rPr>
                         <a:t>通</a:t>
                       </a:r>
                       <a:r>
                         <a:rPr lang="ja-JP" altLang="en-US" sz="1400" dirty="0">
-                          <a:ea typeface="宋体" panose="02010600030101010101" pitchFamily="2" charset="-122"/>
+                          <a:ea typeface="宋体" pitchFamily="2" charset="-122"/>
                           <a:sym typeface="+mn-ea"/>
                         </a:rPr>
                         <a:t>じて</a:t>
                       </a:r>
                       <a:r>
                         <a:rPr lang="en-US" altLang="zh-CN" sz="1400" dirty="0">
-                          <a:ea typeface="宋体" panose="02010600030101010101" pitchFamily="2" charset="-122"/>
+                          <a:ea typeface="宋体" pitchFamily="2" charset="-122"/>
                           <a:sym typeface="+mn-ea"/>
                         </a:rPr>
                         <a:t>Parapara/Analysis/PlotLoc/OnlyMF4/GenerateAIssuePoint.m</a:t>
                       </a:r>
                       <a:r>
                         <a:rPr lang="ja-JP" altLang="en-US" sz="1400" dirty="0">
-                          <a:ea typeface="宋体" panose="02010600030101010101" pitchFamily="2" charset="-122"/>
+                          <a:ea typeface="宋体" pitchFamily="2" charset="-122"/>
                           <a:sym typeface="+mn-ea"/>
                         </a:rPr>
                         <a:t>というスクリプトに</a:t>
                       </a:r>
                       <a:r>
                         <a:rPr lang="zh-CN" altLang="en-US" sz="1400" dirty="0">
-                          <a:ea typeface="宋体" panose="02010600030101010101" pitchFamily="2" charset="-122"/>
+                          <a:ea typeface="宋体" pitchFamily="2" charset="-122"/>
                           <a:sym typeface="+mn-ea"/>
                         </a:rPr>
                         <a:t>同</a:t>
                       </a:r>
                       <a:r>
                         <a:rPr lang="ja-JP" altLang="en-US" sz="1400" dirty="0">
-                          <a:ea typeface="宋体" panose="02010600030101010101" pitchFamily="2" charset="-122"/>
+                          <a:ea typeface="宋体" pitchFamily="2" charset="-122"/>
                           <a:sym typeface="+mn-ea"/>
                         </a:rPr>
                         <a:t>じロジックコードが</a:t>
                       </a:r>
                       <a:r>
                         <a:rPr lang="zh-CN" altLang="en-US" sz="1400" dirty="0">
-                          <a:ea typeface="宋体" panose="02010600030101010101" pitchFamily="2" charset="-122"/>
+                          <a:ea typeface="宋体" pitchFamily="2" charset="-122"/>
                           <a:sym typeface="+mn-ea"/>
                         </a:rPr>
                         <a:t>存在</a:t>
                       </a:r>
                       <a:r>
                         <a:rPr lang="ja-JP" altLang="en-US" sz="1400" dirty="0">
-                          <a:ea typeface="宋体" panose="02010600030101010101" pitchFamily="2" charset="-122"/>
+                          <a:ea typeface="宋体" pitchFamily="2" charset="-122"/>
                           <a:sym typeface="+mn-ea"/>
                         </a:rPr>
                         <a:t>することが</a:t>
                       </a:r>
                       <a:r>
                         <a:rPr lang="zh-CN" altLang="en-US" sz="1400" dirty="0">
-                          <a:ea typeface="宋体" panose="02010600030101010101" pitchFamily="2" charset="-122"/>
+                          <a:ea typeface="宋体" pitchFamily="2" charset="-122"/>
                           <a:sym typeface="+mn-ea"/>
                         </a:rPr>
                         <a:t>発見</a:t>
                       </a:r>
                       <a:r>
                         <a:rPr lang="ja-JP" altLang="en-US" sz="1400" dirty="0">
-                          <a:ea typeface="宋体" panose="02010600030101010101" pitchFamily="2" charset="-122"/>
+                          <a:ea typeface="宋体" pitchFamily="2" charset="-122"/>
                           <a:sym typeface="+mn-ea"/>
                         </a:rPr>
                         <a:t>され</a:t>
                       </a:r>
                       <a:r>
                         <a:rPr lang="zh-CN" altLang="en-US" sz="1400" dirty="0">
-                          <a:ea typeface="宋体" panose="02010600030101010101" pitchFamily="2" charset="-122"/>
+                          <a:ea typeface="宋体" pitchFamily="2" charset="-122"/>
                           <a:sym typeface="+mn-ea"/>
                         </a:rPr>
                         <a:t>、確</a:t>
                       </a:r>
                       <a:r>
                         <a:rPr lang="ja-JP" altLang="en-US" sz="1400" dirty="0">
-                          <a:ea typeface="宋体" panose="02010600030101010101" pitchFamily="2" charset="-122"/>
+                          <a:ea typeface="宋体" pitchFamily="2" charset="-122"/>
                           <a:sym typeface="+mn-ea"/>
                         </a:rPr>
                         <a:t>かに</a:t>
                       </a:r>
                       <a:r>
                         <a:rPr lang="zh-CN" altLang="en-US" sz="1400" dirty="0">
-                          <a:ea typeface="宋体" panose="02010600030101010101" pitchFamily="2" charset="-122"/>
+                          <a:ea typeface="宋体" pitchFamily="2" charset="-122"/>
                           <a:sym typeface="+mn-ea"/>
                         </a:rPr>
                         <a:t>同様</a:t>
                       </a:r>
                       <a:r>
                         <a:rPr lang="ja-JP" altLang="en-US" sz="1400" dirty="0">
-                          <a:ea typeface="宋体" panose="02010600030101010101" pitchFamily="2" charset="-122"/>
+                          <a:ea typeface="宋体" pitchFamily="2" charset="-122"/>
                           <a:sym typeface="+mn-ea"/>
                         </a:rPr>
                         <a:t>な</a:t>
                       </a:r>
                       <a:r>
                         <a:rPr lang="zh-CN" altLang="en-US" sz="1400" dirty="0">
-                          <a:ea typeface="宋体" panose="02010600030101010101" pitchFamily="2" charset="-122"/>
+                          <a:ea typeface="宋体" pitchFamily="2" charset="-122"/>
                           <a:sym typeface="+mn-ea"/>
                         </a:rPr>
                         <a:t>変更</a:t>
                       </a:r>
                       <a:r>
                         <a:rPr lang="ja-JP" altLang="en-US" sz="1400" dirty="0">
-                          <a:ea typeface="宋体" panose="02010600030101010101" pitchFamily="2" charset="-122"/>
+                          <a:ea typeface="宋体" pitchFamily="2" charset="-122"/>
                           <a:sym typeface="+mn-ea"/>
                         </a:rPr>
                         <a:t>を</a:t>
                       </a:r>
                       <a:r>
                         <a:rPr lang="zh-CN" altLang="en-US" sz="1400" dirty="0">
-                          <a:ea typeface="宋体" panose="02010600030101010101" pitchFamily="2" charset="-122"/>
+                          <a:ea typeface="宋体" pitchFamily="2" charset="-122"/>
                           <a:sym typeface="+mn-ea"/>
                         </a:rPr>
                         <a:t>行</a:t>
                       </a:r>
                       <a:r>
                         <a:rPr lang="ja-JP" altLang="en-US" sz="1400" dirty="0">
-                          <a:ea typeface="宋体" panose="02010600030101010101" pitchFamily="2" charset="-122"/>
+                          <a:ea typeface="宋体" pitchFamily="2" charset="-122"/>
                           <a:sym typeface="+mn-ea"/>
                         </a:rPr>
                         <a:t>う</a:t>
                       </a:r>
                       <a:r>
                         <a:rPr lang="zh-CN" altLang="en-US" sz="1400" dirty="0">
-                          <a:ea typeface="宋体" panose="02010600030101010101" pitchFamily="2" charset="-122"/>
+                          <a:ea typeface="宋体" pitchFamily="2" charset="-122"/>
                           <a:sym typeface="+mn-ea"/>
                         </a:rPr>
                         <a:t>必要</a:t>
                       </a:r>
                       <a:r>
                         <a:rPr lang="ja-JP" altLang="en-US" sz="1400" dirty="0">
-                          <a:ea typeface="宋体" panose="02010600030101010101" pitchFamily="2" charset="-122"/>
+                          <a:ea typeface="宋体" pitchFamily="2" charset="-122"/>
                           <a:sym typeface="+mn-ea"/>
                         </a:rPr>
                         <a:t>がある</a:t>
                       </a:r>
                       <a:r>
                         <a:rPr lang="zh-CN" altLang="en-US" sz="1400" dirty="0">
-                          <a:ea typeface="宋体" panose="02010600030101010101" pitchFamily="2" charset="-122"/>
+                          <a:ea typeface="宋体" pitchFamily="2" charset="-122"/>
                           <a:sym typeface="+mn-ea"/>
                         </a:rPr>
                         <a:t>。</a:t>
@@ -6867,7 +7020,7 @@
 </p:sld>
 </file>
 
-<file path=ppt/slides/slide5.xml><?xml version="1.0" encoding="utf-8"?>
+<file path=ppt/slides/slide6.xml><?xml version="1.0" encoding="utf-8"?>
 <p:sld xmlns:a="http://schemas.openxmlformats.org/drawingml/2006/main" xmlns:r="http://schemas.openxmlformats.org/officeDocument/2006/relationships" xmlns:p="http://schemas.openxmlformats.org/presentationml/2006/main">
   <p:cSld>
     <p:spTree>
@@ -7668,7 +7821,7 @@
 </p:sld>
 </file>
 
-<file path=ppt/slides/slide6.xml><?xml version="1.0" encoding="utf-8"?>
+<file path=ppt/slides/slide7.xml><?xml version="1.0" encoding="utf-8"?>
 <p:sld xmlns:a="http://schemas.openxmlformats.org/drawingml/2006/main" xmlns:r="http://schemas.openxmlformats.org/officeDocument/2006/relationships" xmlns:p="http://schemas.openxmlformats.org/presentationml/2006/main">
   <p:cSld>
     <p:spTree>
@@ -7732,7 +7885,7 @@
         </p:nvGraphicFramePr>
         <p:xfrm>
           <a:off x="252068" y="813882"/>
-          <a:ext cx="11558905" cy="5722620"/>
+          <a:ext cx="11558932" cy="5722620"/>
         </p:xfrm>
         <a:graphic>
           <a:graphicData uri="http://schemas.openxmlformats.org/drawingml/2006/table">
@@ -7950,476 +8103,476 @@
                       </a:pPr>
                       <a:r>
                         <a:rPr lang="en-US" altLang="zh-CN" sz="1400" dirty="0">
-                          <a:ea typeface="宋体" panose="02010600030101010101" pitchFamily="2" charset="-122"/>
+                          <a:ea typeface="宋体" pitchFamily="2" charset="-122"/>
                           <a:sym typeface="+mn-ea"/>
                         </a:rPr>
                         <a:t>APL_ArchTest_SetUp_HaseSP.m</a:t>
                       </a:r>
                       <a:r>
                         <a:rPr lang="ja-JP" altLang="en-US" sz="1400" dirty="0">
-                          <a:ea typeface="宋体" panose="02010600030101010101" pitchFamily="2" charset="-122"/>
+                          <a:ea typeface="宋体" pitchFamily="2" charset="-122"/>
                           <a:sym typeface="+mn-ea"/>
                         </a:rPr>
                         <a:t>スクリプトでは</a:t>
                       </a:r>
                       <a:r>
                         <a:rPr lang="zh-CN" altLang="en-US" sz="1400" dirty="0">
-                          <a:ea typeface="宋体" panose="02010600030101010101" pitchFamily="2" charset="-122"/>
+                          <a:ea typeface="宋体" pitchFamily="2" charset="-122"/>
                           <a:sym typeface="+mn-ea"/>
                         </a:rPr>
                         <a:t>、</a:t>
                       </a:r>
                       <a:r>
                         <a:rPr lang="en-US" altLang="zh-CN" sz="1400" dirty="0">
-                          <a:ea typeface="宋体" panose="02010600030101010101" pitchFamily="2" charset="-122"/>
+                          <a:ea typeface="宋体" pitchFamily="2" charset="-122"/>
                           <a:sym typeface="+mn-ea"/>
                         </a:rPr>
                         <a:t>TimeFixCAMandME.m</a:t>
                       </a:r>
                       <a:r>
                         <a:rPr lang="ja-JP" altLang="en-US" sz="1400" dirty="0">
-                          <a:ea typeface="宋体" panose="02010600030101010101" pitchFamily="2" charset="-122"/>
+                          <a:ea typeface="宋体" pitchFamily="2" charset="-122"/>
                           <a:sym typeface="+mn-ea"/>
                         </a:rPr>
                         <a:t>および</a:t>
                       </a:r>
                       <a:r>
                         <a:rPr lang="en-US" altLang="zh-CN" sz="1400" dirty="0">
-                          <a:ea typeface="宋体" panose="02010600030101010101" pitchFamily="2" charset="-122"/>
+                          <a:ea typeface="宋体" pitchFamily="2" charset="-122"/>
                           <a:sym typeface="+mn-ea"/>
                         </a:rPr>
                         <a:t>TimeFixMPUvsMF4.m</a:t>
                       </a:r>
                       <a:r>
                         <a:rPr lang="ja-JP" altLang="en-US" sz="1400" dirty="0">
-                          <a:ea typeface="宋体" panose="02010600030101010101" pitchFamily="2" charset="-122"/>
+                          <a:ea typeface="宋体" pitchFamily="2" charset="-122"/>
                           <a:sym typeface="+mn-ea"/>
                         </a:rPr>
                         <a:t>が</a:t>
                       </a:r>
                       <a:r>
                         <a:rPr lang="zh-CN" altLang="en-US" sz="1400" dirty="0">
-                          <a:ea typeface="宋体" panose="02010600030101010101" pitchFamily="2" charset="-122"/>
+                          <a:ea typeface="宋体" pitchFamily="2" charset="-122"/>
                           <a:sym typeface="+mn-ea"/>
                         </a:rPr>
                         <a:t>順番</a:t>
                       </a:r>
                       <a:r>
                         <a:rPr lang="ja-JP" altLang="en-US" sz="1400" dirty="0">
-                          <a:ea typeface="宋体" panose="02010600030101010101" pitchFamily="2" charset="-122"/>
+                          <a:ea typeface="宋体" pitchFamily="2" charset="-122"/>
                           <a:sym typeface="+mn-ea"/>
                         </a:rPr>
                         <a:t>に</a:t>
                       </a:r>
                       <a:r>
                         <a:rPr lang="zh-CN" altLang="en-US" sz="1400" dirty="0">
-                          <a:ea typeface="宋体" panose="02010600030101010101" pitchFamily="2" charset="-122"/>
+                          <a:ea typeface="宋体" pitchFamily="2" charset="-122"/>
                           <a:sym typeface="+mn-ea"/>
                         </a:rPr>
                         <a:t>実行</a:t>
                       </a:r>
                       <a:r>
                         <a:rPr lang="ja-JP" altLang="en-US" sz="1400" dirty="0">
-                          <a:ea typeface="宋体" panose="02010600030101010101" pitchFamily="2" charset="-122"/>
+                          <a:ea typeface="宋体" pitchFamily="2" charset="-122"/>
                           <a:sym typeface="+mn-ea"/>
                         </a:rPr>
                         <a:t>されます</a:t>
                       </a:r>
                       <a:r>
                         <a:rPr lang="zh-CN" altLang="en-US" sz="1400" dirty="0">
-                          <a:ea typeface="宋体" panose="02010600030101010101" pitchFamily="2" charset="-122"/>
+                          <a:ea typeface="宋体" pitchFamily="2" charset="-122"/>
                           <a:sym typeface="+mn-ea"/>
                         </a:rPr>
                         <a:t>。現在、</a:t>
                       </a:r>
                       <a:r>
                         <a:rPr lang="en-US" altLang="zh-CN" sz="1400" dirty="0">
-                          <a:ea typeface="宋体" panose="02010600030101010101" pitchFamily="2" charset="-122"/>
+                          <a:ea typeface="宋体" pitchFamily="2" charset="-122"/>
                           <a:sym typeface="+mn-ea"/>
                         </a:rPr>
                         <a:t>TimeFixCAMandME.m</a:t>
                       </a:r>
                       <a:r>
                         <a:rPr lang="ja-JP" altLang="en-US" sz="1400" dirty="0">
-                          <a:ea typeface="宋体" panose="02010600030101010101" pitchFamily="2" charset="-122"/>
+                          <a:ea typeface="宋体" pitchFamily="2" charset="-122"/>
                           <a:sym typeface="+mn-ea"/>
                         </a:rPr>
                         <a:t>スクリプトと</a:t>
                       </a:r>
                       <a:r>
                         <a:rPr lang="en-US" altLang="zh-CN" sz="1400" dirty="0">
-                          <a:ea typeface="宋体" panose="02010600030101010101" pitchFamily="2" charset="-122"/>
+                          <a:ea typeface="宋体" pitchFamily="2" charset="-122"/>
                           <a:sym typeface="+mn-ea"/>
                         </a:rPr>
                         <a:t>TimeFixMPUvsMF4.m</a:t>
                       </a:r>
                       <a:r>
                         <a:rPr lang="ja-JP" altLang="en-US" sz="1400" dirty="0">
-                          <a:ea typeface="宋体" panose="02010600030101010101" pitchFamily="2" charset="-122"/>
+                          <a:ea typeface="宋体" pitchFamily="2" charset="-122"/>
                           <a:sym typeface="+mn-ea"/>
                         </a:rPr>
                         <a:t>スクリプトの</a:t>
                       </a:r>
                       <a:r>
                         <a:rPr lang="zh-CN" altLang="en-US" sz="1400" dirty="0">
-                          <a:ea typeface="宋体" panose="02010600030101010101" pitchFamily="2" charset="-122"/>
+                          <a:ea typeface="宋体" pitchFamily="2" charset="-122"/>
                           <a:sym typeface="+mn-ea"/>
                         </a:rPr>
                         <a:t>両方</a:t>
                       </a:r>
                       <a:r>
                         <a:rPr lang="ja-JP" altLang="en-US" sz="1400" dirty="0">
-                          <a:ea typeface="宋体" panose="02010600030101010101" pitchFamily="2" charset="-122"/>
+                          <a:ea typeface="宋体" pitchFamily="2" charset="-122"/>
                           <a:sym typeface="+mn-ea"/>
                         </a:rPr>
                         <a:t>で</a:t>
                       </a:r>
                       <a:r>
                         <a:rPr lang="zh-CN" altLang="en-US" sz="1400" dirty="0">
-                          <a:ea typeface="宋体" panose="02010600030101010101" pitchFamily="2" charset="-122"/>
+                          <a:ea typeface="宋体" pitchFamily="2" charset="-122"/>
                           <a:sym typeface="+mn-ea"/>
                         </a:rPr>
                         <a:t>、</a:t>
                       </a:r>
                       <a:r>
                         <a:rPr lang="en-US" altLang="zh-CN" sz="1400" dirty="0">
-                          <a:ea typeface="宋体" panose="02010600030101010101" pitchFamily="2" charset="-122"/>
+                          <a:ea typeface="宋体" pitchFamily="2" charset="-122"/>
                           <a:sym typeface="+mn-ea"/>
                         </a:rPr>
                         <a:t>50ms</a:t>
                       </a:r>
                       <a:r>
                         <a:rPr lang="ja-JP" altLang="en-US" sz="1400" dirty="0">
-                          <a:ea typeface="宋体" panose="02010600030101010101" pitchFamily="2" charset="-122"/>
+                          <a:ea typeface="宋体" pitchFamily="2" charset="-122"/>
                           <a:sym typeface="+mn-ea"/>
                         </a:rPr>
                         <a:t>という</a:t>
                       </a:r>
                       <a:r>
                         <a:rPr lang="zh-CN" altLang="en-US" sz="1400" dirty="0">
-                          <a:ea typeface="宋体" panose="02010600030101010101" pitchFamily="2" charset="-122"/>
+                          <a:ea typeface="宋体" pitchFamily="2" charset="-122"/>
                           <a:sym typeface="+mn-ea"/>
                         </a:rPr>
                         <a:t>周期</a:t>
                       </a:r>
                       <a:r>
                         <a:rPr lang="ja-JP" altLang="en-US" sz="1400" dirty="0">
-                          <a:ea typeface="宋体" panose="02010600030101010101" pitchFamily="2" charset="-122"/>
+                          <a:ea typeface="宋体" pitchFamily="2" charset="-122"/>
                           <a:sym typeface="+mn-ea"/>
                         </a:rPr>
                         <a:t>が</a:t>
                       </a:r>
                       <a:r>
                         <a:rPr lang="zh-CN" altLang="en-US" sz="1400" dirty="0">
-                          <a:ea typeface="宋体" panose="02010600030101010101" pitchFamily="2" charset="-122"/>
+                          <a:ea typeface="宋体" pitchFamily="2" charset="-122"/>
                           <a:sym typeface="+mn-ea"/>
                         </a:rPr>
                         <a:t>大量</a:t>
                       </a:r>
                       <a:r>
                         <a:rPr lang="ja-JP" altLang="en-US" sz="1400" dirty="0">
-                          <a:ea typeface="宋体" panose="02010600030101010101" pitchFamily="2" charset="-122"/>
+                          <a:ea typeface="宋体" pitchFamily="2" charset="-122"/>
                           <a:sym typeface="+mn-ea"/>
                         </a:rPr>
                         <a:t>に</a:t>
                       </a:r>
                       <a:r>
                         <a:rPr lang="zh-CN" altLang="en-US" sz="1400" dirty="0">
-                          <a:ea typeface="宋体" panose="02010600030101010101" pitchFamily="2" charset="-122"/>
+                          <a:ea typeface="宋体" pitchFamily="2" charset="-122"/>
                           <a:sym typeface="+mn-ea"/>
                         </a:rPr>
                         <a:t>使用</a:t>
                       </a:r>
                       <a:r>
                         <a:rPr lang="ja-JP" altLang="en-US" sz="1400" dirty="0">
-                          <a:ea typeface="宋体" panose="02010600030101010101" pitchFamily="2" charset="-122"/>
+                          <a:ea typeface="宋体" pitchFamily="2" charset="-122"/>
                           <a:sym typeface="+mn-ea"/>
                         </a:rPr>
                         <a:t>されています</a:t>
                       </a:r>
                       <a:r>
                         <a:rPr lang="zh-CN" altLang="en-US" sz="1400" dirty="0">
-                          <a:ea typeface="宋体" panose="02010600030101010101" pitchFamily="2" charset="-122"/>
+                          <a:ea typeface="宋体" pitchFamily="2" charset="-122"/>
                           <a:sym typeface="+mn-ea"/>
                         </a:rPr>
                         <a:t>。確</a:t>
                       </a:r>
                       <a:r>
                         <a:rPr lang="ja-JP" altLang="en-US" sz="1400" dirty="0">
-                          <a:ea typeface="宋体" panose="02010600030101010101" pitchFamily="2" charset="-122"/>
+                          <a:ea typeface="宋体" pitchFamily="2" charset="-122"/>
                           <a:sym typeface="+mn-ea"/>
                         </a:rPr>
                         <a:t>かに</a:t>
                       </a:r>
                       <a:r>
                         <a:rPr lang="zh-CN" altLang="en-US" sz="1400" dirty="0">
-                          <a:ea typeface="宋体" panose="02010600030101010101" pitchFamily="2" charset="-122"/>
+                          <a:ea typeface="宋体" pitchFamily="2" charset="-122"/>
                           <a:sym typeface="+mn-ea"/>
                         </a:rPr>
                         <a:t>、先</a:t>
                       </a:r>
                       <a:r>
                         <a:rPr lang="ja-JP" altLang="en-US" sz="1400" dirty="0">
-                          <a:ea typeface="宋体" panose="02010600030101010101" pitchFamily="2" charset="-122"/>
+                          <a:ea typeface="宋体" pitchFamily="2" charset="-122"/>
                           <a:sym typeface="+mn-ea"/>
                         </a:rPr>
                         <a:t>に</a:t>
                       </a:r>
                       <a:r>
                         <a:rPr lang="zh-CN" altLang="en-US" sz="1400" dirty="0">
-                          <a:ea typeface="宋体" panose="02010600030101010101" pitchFamily="2" charset="-122"/>
+                          <a:ea typeface="宋体" pitchFamily="2" charset="-122"/>
                           <a:sym typeface="+mn-ea"/>
                         </a:rPr>
                         <a:t>実行</a:t>
                       </a:r>
                       <a:r>
                         <a:rPr lang="ja-JP" altLang="en-US" sz="1400" dirty="0">
-                          <a:ea typeface="宋体" panose="02010600030101010101" pitchFamily="2" charset="-122"/>
+                          <a:ea typeface="宋体" pitchFamily="2" charset="-122"/>
                           <a:sym typeface="+mn-ea"/>
                         </a:rPr>
                         <a:t>する</a:t>
                       </a:r>
                       <a:r>
                         <a:rPr lang="en-US" altLang="zh-CN" sz="1400" dirty="0">
-                          <a:ea typeface="宋体" panose="02010600030101010101" pitchFamily="2" charset="-122"/>
+                          <a:ea typeface="宋体" pitchFamily="2" charset="-122"/>
                           <a:sym typeface="+mn-ea"/>
                         </a:rPr>
                         <a:t>APL_ArchTest_SetUp_HaseSP.m</a:t>
                       </a:r>
                       <a:r>
                         <a:rPr lang="ja-JP" altLang="en-US" sz="1400" dirty="0">
-                          <a:ea typeface="宋体" panose="02010600030101010101" pitchFamily="2" charset="-122"/>
+                          <a:ea typeface="宋体" pitchFamily="2" charset="-122"/>
                           <a:sym typeface="+mn-ea"/>
                         </a:rPr>
                         <a:t>スクリプトで</a:t>
                       </a:r>
                       <a:r>
                         <a:rPr lang="zh-CN" altLang="en-US" sz="1400" dirty="0">
-                          <a:ea typeface="宋体" panose="02010600030101010101" pitchFamily="2" charset="-122"/>
+                          <a:ea typeface="宋体" pitchFamily="2" charset="-122"/>
                           <a:sym typeface="+mn-ea"/>
                         </a:rPr>
                         <a:t>統一</a:t>
                       </a:r>
                       <a:r>
                         <a:rPr lang="ja-JP" altLang="en-US" sz="1400" dirty="0">
-                          <a:ea typeface="宋体" panose="02010600030101010101" pitchFamily="2" charset="-122"/>
+                          <a:ea typeface="宋体" pitchFamily="2" charset="-122"/>
                           <a:sym typeface="+mn-ea"/>
                         </a:rPr>
                         <a:t>された</a:t>
                       </a:r>
                       <a:r>
                         <a:rPr lang="zh-CN" altLang="en-US" sz="1400" dirty="0">
-                          <a:ea typeface="宋体" panose="02010600030101010101" pitchFamily="2" charset="-122"/>
+                          <a:ea typeface="宋体" pitchFamily="2" charset="-122"/>
                           <a:sym typeface="+mn-ea"/>
                         </a:rPr>
                         <a:t>時間周期変数</a:t>
                       </a:r>
                       <a:r>
                         <a:rPr lang="ja-JP" altLang="en-US" sz="1400" dirty="0">
-                          <a:ea typeface="宋体" panose="02010600030101010101" pitchFamily="2" charset="-122"/>
+                          <a:ea typeface="宋体" pitchFamily="2" charset="-122"/>
                           <a:sym typeface="+mn-ea"/>
                         </a:rPr>
                         <a:t>を</a:t>
                       </a:r>
                       <a:r>
                         <a:rPr lang="zh-CN" altLang="en-US" sz="1400" dirty="0">
-                          <a:ea typeface="宋体" panose="02010600030101010101" pitchFamily="2" charset="-122"/>
+                          <a:ea typeface="宋体" pitchFamily="2" charset="-122"/>
                           <a:sym typeface="+mn-ea"/>
                         </a:rPr>
                         <a:t>設定</a:t>
                       </a:r>
                       <a:r>
                         <a:rPr lang="ja-JP" altLang="en-US" sz="1400" dirty="0">
-                          <a:ea typeface="宋体" panose="02010600030101010101" pitchFamily="2" charset="-122"/>
+                          <a:ea typeface="宋体" pitchFamily="2" charset="-122"/>
                           <a:sym typeface="+mn-ea"/>
                         </a:rPr>
                         <a:t>して</a:t>
                       </a:r>
                       <a:r>
                         <a:rPr lang="zh-CN" altLang="en-US" sz="1400" dirty="0">
-                          <a:ea typeface="宋体" panose="02010600030101010101" pitchFamily="2" charset="-122"/>
+                          <a:ea typeface="宋体" pitchFamily="2" charset="-122"/>
                           <a:sym typeface="+mn-ea"/>
                         </a:rPr>
                         <a:t>、</a:t>
                       </a:r>
                       <a:r>
                         <a:rPr lang="en-US" altLang="zh-CN" sz="1400" dirty="0">
-                          <a:ea typeface="宋体" panose="02010600030101010101" pitchFamily="2" charset="-122"/>
+                          <a:ea typeface="宋体" pitchFamily="2" charset="-122"/>
                           <a:sym typeface="+mn-ea"/>
                         </a:rPr>
                         <a:t>TimeFixCAMandME.m</a:t>
                       </a:r>
                       <a:r>
                         <a:rPr lang="ja-JP" altLang="en-US" sz="1400" dirty="0">
-                          <a:ea typeface="宋体" panose="02010600030101010101" pitchFamily="2" charset="-122"/>
+                          <a:ea typeface="宋体" pitchFamily="2" charset="-122"/>
                           <a:sym typeface="+mn-ea"/>
                         </a:rPr>
                         <a:t>スクリプトと</a:t>
                       </a:r>
                       <a:r>
                         <a:rPr lang="en-US" altLang="zh-CN" sz="1400" dirty="0">
-                          <a:ea typeface="宋体" panose="02010600030101010101" pitchFamily="2" charset="-122"/>
+                          <a:ea typeface="宋体" pitchFamily="2" charset="-122"/>
                           <a:sym typeface="+mn-ea"/>
                         </a:rPr>
                         <a:t>TimeFixMPUvsMF4.m</a:t>
                       </a:r>
                       <a:r>
                         <a:rPr lang="ja-JP" altLang="en-US" sz="1400" dirty="0">
-                          <a:ea typeface="宋体" panose="02010600030101010101" pitchFamily="2" charset="-122"/>
+                          <a:ea typeface="宋体" pitchFamily="2" charset="-122"/>
                           <a:sym typeface="+mn-ea"/>
                         </a:rPr>
                         <a:t>に</a:t>
                       </a:r>
                       <a:r>
                         <a:rPr lang="zh-CN" altLang="en-US" sz="1400" dirty="0">
-                          <a:ea typeface="宋体" panose="02010600030101010101" pitchFamily="2" charset="-122"/>
+                          <a:ea typeface="宋体" pitchFamily="2" charset="-122"/>
                           <a:sym typeface="+mn-ea"/>
                         </a:rPr>
                         <a:t>影響</a:t>
                       </a:r>
                       <a:r>
                         <a:rPr lang="ja-JP" altLang="en-US" sz="1400" dirty="0">
-                          <a:ea typeface="宋体" panose="02010600030101010101" pitchFamily="2" charset="-122"/>
+                          <a:ea typeface="宋体" pitchFamily="2" charset="-122"/>
                           <a:sym typeface="+mn-ea"/>
                         </a:rPr>
                         <a:t>を</a:t>
                       </a:r>
                       <a:r>
                         <a:rPr lang="zh-CN" altLang="en-US" sz="1400" dirty="0">
-                          <a:ea typeface="宋体" panose="02010600030101010101" pitchFamily="2" charset="-122"/>
+                          <a:ea typeface="宋体" pitchFamily="2" charset="-122"/>
                           <a:sym typeface="+mn-ea"/>
                         </a:rPr>
                         <a:t>与</a:t>
                       </a:r>
                       <a:r>
                         <a:rPr lang="ja-JP" altLang="en-US" sz="1400" dirty="0">
-                          <a:ea typeface="宋体" panose="02010600030101010101" pitchFamily="2" charset="-122"/>
+                          <a:ea typeface="宋体" pitchFamily="2" charset="-122"/>
                           <a:sym typeface="+mn-ea"/>
                         </a:rPr>
                         <a:t>えるべきです</a:t>
                       </a:r>
                       <a:r>
                         <a:rPr lang="zh-CN" altLang="en-US" sz="1400" dirty="0">
-                          <a:ea typeface="宋体" panose="02010600030101010101" pitchFamily="2" charset="-122"/>
+                          <a:ea typeface="宋体" pitchFamily="2" charset="-122"/>
                           <a:sym typeface="+mn-ea"/>
                         </a:rPr>
                         <a:t>。現在</a:t>
                       </a:r>
                       <a:r>
                         <a:rPr lang="ja-JP" altLang="en-US" sz="1400" dirty="0">
-                          <a:ea typeface="宋体" panose="02010600030101010101" pitchFamily="2" charset="-122"/>
+                          <a:ea typeface="宋体" pitchFamily="2" charset="-122"/>
                           <a:sym typeface="+mn-ea"/>
                         </a:rPr>
                         <a:t>は</a:t>
                       </a:r>
                       <a:r>
                         <a:rPr lang="en-US" altLang="zh-CN" sz="1400" dirty="0">
-                          <a:ea typeface="宋体" panose="02010600030101010101" pitchFamily="2" charset="-122"/>
+                          <a:ea typeface="宋体" pitchFamily="2" charset="-122"/>
                           <a:sym typeface="+mn-ea"/>
                         </a:rPr>
                         <a:t>TimeFixCAMandME.m</a:t>
                       </a:r>
                       <a:r>
                         <a:rPr lang="ja-JP" altLang="en-US" sz="1400" dirty="0">
-                          <a:ea typeface="宋体" panose="02010600030101010101" pitchFamily="2" charset="-122"/>
+                          <a:ea typeface="宋体" pitchFamily="2" charset="-122"/>
                           <a:sym typeface="+mn-ea"/>
                         </a:rPr>
                         <a:t>でのみ</a:t>
                       </a:r>
                       <a:r>
                         <a:rPr lang="zh-CN" altLang="en-US" sz="1400" dirty="0">
-                          <a:ea typeface="宋体" panose="02010600030101010101" pitchFamily="2" charset="-122"/>
+                          <a:ea typeface="宋体" pitchFamily="2" charset="-122"/>
                           <a:sym typeface="+mn-ea"/>
                         </a:rPr>
                         <a:t>時間周期変数</a:t>
                       </a:r>
                       <a:r>
                         <a:rPr lang="ja-JP" altLang="en-US" sz="1400" dirty="0">
-                          <a:ea typeface="宋体" panose="02010600030101010101" pitchFamily="2" charset="-122"/>
+                          <a:ea typeface="宋体" pitchFamily="2" charset="-122"/>
                           <a:sym typeface="+mn-ea"/>
                         </a:rPr>
                         <a:t>を</a:t>
                       </a:r>
                       <a:r>
                         <a:rPr lang="zh-CN" altLang="en-US" sz="1400" dirty="0">
-                          <a:ea typeface="宋体" panose="02010600030101010101" pitchFamily="2" charset="-122"/>
+                          <a:ea typeface="宋体" pitchFamily="2" charset="-122"/>
                           <a:sym typeface="+mn-ea"/>
                         </a:rPr>
                         <a:t>設定</a:t>
                       </a:r>
                       <a:r>
                         <a:rPr lang="ja-JP" altLang="en-US" sz="1400" dirty="0">
-                          <a:ea typeface="宋体" panose="02010600030101010101" pitchFamily="2" charset="-122"/>
+                          <a:ea typeface="宋体" pitchFamily="2" charset="-122"/>
                           <a:sym typeface="+mn-ea"/>
                         </a:rPr>
                         <a:t>しているため</a:t>
                       </a:r>
                       <a:r>
                         <a:rPr lang="zh-CN" altLang="en-US" sz="1400" dirty="0">
-                          <a:ea typeface="宋体" panose="02010600030101010101" pitchFamily="2" charset="-122"/>
+                          <a:ea typeface="宋体" pitchFamily="2" charset="-122"/>
                           <a:sym typeface="+mn-ea"/>
                         </a:rPr>
                         <a:t>、</a:t>
                       </a:r>
                       <a:r>
                         <a:rPr lang="en-US" altLang="zh-CN" sz="1400" dirty="0">
-                          <a:ea typeface="宋体" panose="02010600030101010101" pitchFamily="2" charset="-122"/>
+                          <a:ea typeface="宋体" pitchFamily="2" charset="-122"/>
                           <a:sym typeface="+mn-ea"/>
                         </a:rPr>
                         <a:t>TimeFixMPUvsMF4</a:t>
                       </a:r>
                       <a:r>
                         <a:rPr lang="ja-JP" altLang="en-US" sz="1400" dirty="0">
-                          <a:ea typeface="宋体" panose="02010600030101010101" pitchFamily="2" charset="-122"/>
+                          <a:ea typeface="宋体" pitchFamily="2" charset="-122"/>
                           <a:sym typeface="+mn-ea"/>
                         </a:rPr>
                         <a:t>は</a:t>
                       </a:r>
                       <a:r>
                         <a:rPr lang="zh-CN" altLang="en-US" sz="1400" dirty="0">
-                          <a:ea typeface="宋体" panose="02010600030101010101" pitchFamily="2" charset="-122"/>
+                          <a:ea typeface="宋体" pitchFamily="2" charset="-122"/>
                           <a:sym typeface="+mn-ea"/>
                         </a:rPr>
                         <a:t>同期</a:t>
                       </a:r>
                       <a:r>
                         <a:rPr lang="ja-JP" altLang="en-US" sz="1400" dirty="0">
-                          <a:ea typeface="宋体" panose="02010600030101010101" pitchFamily="2" charset="-122"/>
+                          <a:ea typeface="宋体" pitchFamily="2" charset="-122"/>
                           <a:sym typeface="+mn-ea"/>
                         </a:rPr>
                         <a:t>して</a:t>
                       </a:r>
                       <a:r>
                         <a:rPr lang="zh-CN" altLang="en-US" sz="1400" dirty="0">
-                          <a:ea typeface="宋体" panose="02010600030101010101" pitchFamily="2" charset="-122"/>
+                          <a:ea typeface="宋体" pitchFamily="2" charset="-122"/>
                           <a:sym typeface="+mn-ea"/>
                         </a:rPr>
                         <a:t>結果</a:t>
                       </a:r>
                       <a:r>
                         <a:rPr lang="ja-JP" altLang="en-US" sz="1400" dirty="0">
-                          <a:ea typeface="宋体" panose="02010600030101010101" pitchFamily="2" charset="-122"/>
+                          <a:ea typeface="宋体" pitchFamily="2" charset="-122"/>
                           <a:sym typeface="+mn-ea"/>
                         </a:rPr>
                         <a:t>を</a:t>
                       </a:r>
                       <a:r>
                         <a:rPr lang="zh-CN" altLang="en-US" sz="1400" dirty="0">
-                          <a:ea typeface="宋体" panose="02010600030101010101" pitchFamily="2" charset="-122"/>
+                          <a:ea typeface="宋体" pitchFamily="2" charset="-122"/>
                           <a:sym typeface="+mn-ea"/>
                         </a:rPr>
                         <a:t>更新</a:t>
                       </a:r>
                       <a:r>
                         <a:rPr lang="ja-JP" altLang="en-US" sz="1400" dirty="0">
-                          <a:ea typeface="宋体" panose="02010600030101010101" pitchFamily="2" charset="-122"/>
+                          <a:ea typeface="宋体" pitchFamily="2" charset="-122"/>
                           <a:sym typeface="+mn-ea"/>
                         </a:rPr>
                         <a:t>しませんでした</a:t>
                       </a:r>
                       <a:r>
                         <a:rPr lang="zh-CN" altLang="en-US" sz="1400" dirty="0">
-                          <a:ea typeface="宋体" panose="02010600030101010101" pitchFamily="2" charset="-122"/>
+                          <a:ea typeface="宋体" pitchFamily="2" charset="-122"/>
                           <a:sym typeface="+mn-ea"/>
                         </a:rPr>
                         <a:t>。</a:t>
@@ -8640,7 +8793,7 @@
 </p:sld>
 </file>
 
-<file path=ppt/slides/slide7.xml><?xml version="1.0" encoding="utf-8"?>
+<file path=ppt/slides/slide8.xml><?xml version="1.0" encoding="utf-8"?>
 <p:sld xmlns:a="http://schemas.openxmlformats.org/drawingml/2006/main" xmlns:r="http://schemas.openxmlformats.org/officeDocument/2006/relationships" xmlns:p="http://schemas.openxmlformats.org/presentationml/2006/main">
   <p:cSld>
     <p:spTree>
@@ -9551,7 +9704,7 @@
             <a:r>
               <a:rPr lang="zh-CN" altLang="en-US" sz="1200" b="1" dirty="0">
                 <a:latin typeface="Meiryo UI" panose="020B0604030504040204" charset="-128"/>
-                <a:ea typeface="宋体" panose="02010600030101010101" pitchFamily="2" charset="-122"/>
+                <a:ea typeface="宋体" pitchFamily="2" charset="-122"/>
                 <a:cs typeface="Meiryo UI" panose="020B0604030504040204" charset="-128"/>
                 <a:sym typeface="+mn-ea"/>
               </a:rPr>
@@ -9584,7 +9737,7 @@
             <a:r>
               <a:rPr lang="en-US" altLang="zh-CN" sz="1200" b="1" dirty="0">
                 <a:latin typeface="Meiryo UI" panose="020B0604030504040204" charset="-128"/>
-                <a:ea typeface="宋体" panose="02010600030101010101" pitchFamily="2" charset="-122"/>
+                <a:ea typeface="宋体" pitchFamily="2" charset="-122"/>
                 <a:cs typeface="Meiryo UI" panose="020B0604030504040204" charset="-128"/>
                 <a:sym typeface="+mn-ea"/>
               </a:rPr>
@@ -9593,7 +9746,7 @@
             <a:r>
               <a:rPr lang="zh-CN" altLang="en-US" sz="1200" b="1" dirty="0">
                 <a:latin typeface="Meiryo UI" panose="020B0604030504040204" charset="-128"/>
-                <a:ea typeface="宋体" panose="02010600030101010101" pitchFamily="2" charset="-122"/>
+                <a:ea typeface="宋体" pitchFamily="2" charset="-122"/>
                 <a:cs typeface="Meiryo UI" panose="020B0604030504040204" charset="-128"/>
                 <a:sym typeface="+mn-ea"/>
               </a:rPr>
@@ -11270,7 +11423,7 @@
 </p:sld>
 </file>
 
-<file path=ppt/slides/slide8.xml><?xml version="1.0" encoding="utf-8"?>
+<file path=ppt/slides/slide9.xml><?xml version="1.0" encoding="utf-8"?>
 <p:sld xmlns:a="http://schemas.openxmlformats.org/drawingml/2006/main" xmlns:r="http://schemas.openxmlformats.org/officeDocument/2006/relationships" xmlns:p="http://schemas.openxmlformats.org/presentationml/2006/main">
   <p:cSld>
     <p:spTree>
@@ -12144,12 +12297,12 @@
 </file>
 
 <file path=customXml/item1.xml><?xml version="1.0" encoding="utf-8"?>
-<p:properties xmlns:p="http://schemas.microsoft.com/office/2006/metadata/properties" xmlns:xsi="http://www.w3.org/2001/XMLSchema-instance" xmlns:pc="http://schemas.microsoft.com/office/infopath/2007/PartnerControls">
+<p:properties xmlns:p="http://schemas.microsoft.com/office/2006/metadata/properties" xmlns:pc="http://schemas.microsoft.com/office/infopath/2007/PartnerControls" xmlns:xsi="http://www.w3.org/2001/XMLSchema-instance">
   <documentManagement>
     <lcf76f155ced4ddcb4097134ff3c332f xmlns="44e58224-8168-4851-a09e-009fc9c3dfe3">
       <Terms xmlns="http://schemas.microsoft.com/office/infopath/2007/PartnerControls"/>
     </lcf76f155ced4ddcb4097134ff3c332f>
-    <TaxCatchAll xmlns="2287e552-7420-4018-b23e-1835186724e2" xsi:nil="true"/>
+    <TaxCatchAll xmlns="2287e552-7420-4018-b23e-1835186724e2" xmlns:xsi="http://www.w3.org/2001/XMLSchema-instance" xsi:nil="true"/>
   </documentManagement>
 </p:properties>
 </file>
@@ -12157,37 +12310,37 @@
 <file path=customXml/item2.xml><?xml version="1.0" encoding="utf-8"?>
 <?mso-contentType ?>
 <FormTemplates xmlns="http://schemas.microsoft.com/sharepoint/v3/contenttype/forms">
-  <Display>DocumentLibraryForm</Display>
-  <Edit>DocumentLibraryForm</Edit>
-  <New>DocumentLibraryForm</New>
+  <Display xmlns="http://schemas.microsoft.com/sharepoint/v3/contenttype/forms">DocumentLibraryForm</Display>
+  <Edit xmlns="http://schemas.microsoft.com/sharepoint/v3/contenttype/forms">DocumentLibraryForm</Edit>
+  <New xmlns="http://schemas.microsoft.com/sharepoint/v3/contenttype/forms">DocumentLibraryForm</New>
 </FormTemplates>
 </file>
 
 <file path=customXml/item3.xml><?xml version="1.0" encoding="utf-8"?>
-<ct:contentTypeSchema xmlns:ct="http://schemas.microsoft.com/office/2006/metadata/contentType" xmlns:ma="http://schemas.microsoft.com/office/2006/metadata/properties/metaAttributes" ct:_="" ma:_="" ma:contentTypeName="ドキュメント" ma:contentTypeID="0x010100DD0C7EBAA2C0A7478897E2118A398E1D" ma:contentTypeVersion="15" ma:contentTypeDescription="新しいドキュメントを作成します。" ma:contentTypeScope="" ma:versionID="05a7929b7dedec3ac6e6444b7489da23">
-  <xsd:schema xmlns:xsd="http://www.w3.org/2001/XMLSchema" xmlns:xs="http://www.w3.org/2001/XMLSchema" xmlns:p="http://schemas.microsoft.com/office/2006/metadata/properties" xmlns:ns2="44e58224-8168-4851-a09e-009fc9c3dfe3" xmlns:ns3="2287e552-7420-4018-b23e-1835186724e2" targetNamespace="http://schemas.microsoft.com/office/2006/metadata/properties" ma:root="true" ma:fieldsID="da29ffe81ae1831f8ea4144024104283" ns2:_="" ns3:_="">
-    <xsd:import namespace="44e58224-8168-4851-a09e-009fc9c3dfe3"/>
-    <xsd:import namespace="2287e552-7420-4018-b23e-1835186724e2"/>
-    <xsd:element name="properties">
-      <xsd:complexType>
-        <xsd:sequence>
-          <xsd:element name="documentManagement">
-            <xsd:complexType>
-              <xsd:all>
-                <xsd:element ref="ns2:MediaServiceMetadata" minOccurs="0"/>
-                <xsd:element ref="ns2:MediaServiceFastMetadata" minOccurs="0"/>
-                <xsd:element ref="ns2:MediaServiceObjectDetectorVersions" minOccurs="0"/>
-                <xsd:element ref="ns3:SharedWithUsers" minOccurs="0"/>
-                <xsd:element ref="ns3:SharedWithDetails" minOccurs="0"/>
-                <xsd:element ref="ns2:lcf76f155ced4ddcb4097134ff3c332f" minOccurs="0"/>
-                <xsd:element ref="ns3:TaxCatchAll" minOccurs="0"/>
-                <xsd:element ref="ns2:MediaServiceOCR" minOccurs="0"/>
-                <xsd:element ref="ns2:MediaServiceGenerationTime" minOccurs="0"/>
-                <xsd:element ref="ns2:MediaServiceEventHashCode" minOccurs="0"/>
-                <xsd:element ref="ns2:MediaServiceDateTaken" minOccurs="0"/>
-                <xsd:element ref="ns2:MediaLengthInSeconds" minOccurs="0"/>
-                <xsd:element ref="ns2:MediaServiceSearchProperties" minOccurs="0"/>
-                <xsd:element ref="ns2:MediaServiceLocation" minOccurs="0"/>
+<ct:contentTypeSchema xmlns:ct="http://schemas.microsoft.com/office/2006/metadata/contentType" xmlns:ma="http://schemas.microsoft.com/office/2006/metadata/properties/metaAttributes" contentTypeDescription="新しいドキュメントを作成します。" contentTypeScope="" versionID="05a7929b7dedec3ac6e6444b7489da23" _="" contentTypeVersion="15" contentTypeID="0x010100DD0C7EBAA2C0A7478897E2118A398E1D" contentTypeName="ドキュメント">
+  <xsd:schema xmlns:xsd="http://www.w3.org/2001/XMLSchema" xmlns:ma="http://schemas.microsoft.com/office/2006/metadata/properties/metaAttributes" ma:fieldsID="da29ffe81ae1831f8ea4144024104283" ma:root="true" _="" targetNamespace="http://schemas.microsoft.com/office/2006/metadata/properties">
+    <xsd:import xmlns:xsd="http://www.w3.org/2001/XMLSchema" namespace="44e58224-8168-4851-a09e-009fc9c3dfe3"/>
+    <xsd:import xmlns:xsd="http://www.w3.org/2001/XMLSchema" namespace="2287e552-7420-4018-b23e-1835186724e2"/>
+    <xsd:element xmlns:xsd="http://www.w3.org/2001/XMLSchema" name="properties">
+      <xsd:complexType xmlns:xsd="http://www.w3.org/2001/XMLSchema">
+        <xsd:sequence xmlns:xsd="http://www.w3.org/2001/XMLSchema">
+          <xsd:element xmlns:xsd="http://www.w3.org/2001/XMLSchema" name="documentManagement">
+            <xsd:complexType xmlns:xsd="http://www.w3.org/2001/XMLSchema">
+              <xsd:all xmlns:xsd="http://www.w3.org/2001/XMLSchema">
+                <xsd:element xmlns:xsd="http://www.w3.org/2001/XMLSchema" ref="ns2:MediaServiceMetadata" minOccurs="0"/>
+                <xsd:element xmlns:xsd="http://www.w3.org/2001/XMLSchema" ref="ns2:MediaServiceFastMetadata" minOccurs="0"/>
+                <xsd:element xmlns:xsd="http://www.w3.org/2001/XMLSchema" ref="ns2:MediaServiceObjectDetectorVersions" minOccurs="0"/>
+                <xsd:element xmlns:xsd="http://www.w3.org/2001/XMLSchema" ref="ns3:SharedWithUsers" minOccurs="0"/>
+                <xsd:element xmlns:xsd="http://www.w3.org/2001/XMLSchema" ref="ns3:SharedWithDetails" minOccurs="0"/>
+                <xsd:element xmlns:xsd="http://www.w3.org/2001/XMLSchema" ref="ns2:lcf76f155ced4ddcb4097134ff3c332f" minOccurs="0"/>
+                <xsd:element xmlns:xsd="http://www.w3.org/2001/XMLSchema" ref="ns3:TaxCatchAll" minOccurs="0"/>
+                <xsd:element xmlns:xsd="http://www.w3.org/2001/XMLSchema" ref="ns2:MediaServiceOCR" minOccurs="0"/>
+                <xsd:element xmlns:xsd="http://www.w3.org/2001/XMLSchema" ref="ns2:MediaServiceGenerationTime" minOccurs="0"/>
+                <xsd:element xmlns:xsd="http://www.w3.org/2001/XMLSchema" ref="ns2:MediaServiceEventHashCode" minOccurs="0"/>
+                <xsd:element xmlns:xsd="http://www.w3.org/2001/XMLSchema" ref="ns2:MediaServiceDateTaken" minOccurs="0"/>
+                <xsd:element xmlns:xsd="http://www.w3.org/2001/XMLSchema" ref="ns2:MediaLengthInSeconds" minOccurs="0"/>
+                <xsd:element xmlns:xsd="http://www.w3.org/2001/XMLSchema" ref="ns2:MediaServiceSearchProperties" minOccurs="0"/>
+                <xsd:element xmlns:xsd="http://www.w3.org/2001/XMLSchema" ref="ns2:MediaServiceLocation" minOccurs="0"/>
               </xsd:all>
             </xsd:complexType>
           </xsd:element>
@@ -12195,83 +12348,83 @@
       </xsd:complexType>
     </xsd:element>
   </xsd:schema>
-  <xsd:schema xmlns:xsd="http://www.w3.org/2001/XMLSchema" xmlns:xs="http://www.w3.org/2001/XMLSchema" xmlns:dms="http://schemas.microsoft.com/office/2006/documentManagement/types" xmlns:pc="http://schemas.microsoft.com/office/infopath/2007/PartnerControls" targetNamespace="44e58224-8168-4851-a09e-009fc9c3dfe3" elementFormDefault="qualified">
-    <xsd:import namespace="http://schemas.microsoft.com/office/2006/documentManagement/types"/>
-    <xsd:import namespace="http://schemas.microsoft.com/office/infopath/2007/PartnerControls"/>
-    <xsd:element name="MediaServiceMetadata" ma:index="8" nillable="true" ma:displayName="MediaServiceMetadata" ma:hidden="true" ma:internalName="MediaServiceMetadata" ma:readOnly="true">
-      <xsd:simpleType>
-        <xsd:restriction base="dms:Note"/>
+  <xsd:schema xmlns:xsd="http://www.w3.org/2001/XMLSchema" elementFormDefault="qualified" targetNamespace="44e58224-8168-4851-a09e-009fc9c3dfe3">
+    <xsd:import xmlns:xsd="http://www.w3.org/2001/XMLSchema" namespace="http://schemas.microsoft.com/office/2006/documentManagement/types"/>
+    <xsd:import xmlns:xsd="http://www.w3.org/2001/XMLSchema" namespace="http://schemas.microsoft.com/office/infopath/2007/PartnerControls"/>
+    <xsd:element xmlns:xsd="http://www.w3.org/2001/XMLSchema" xmlns:ma="http://schemas.microsoft.com/office/2006/metadata/properties/metaAttributes" ma:internalName="MediaServiceMetadata" ma:readOnly="true" ma:displayName="MediaServiceMetadata" ma:hidden="true" nillable="true" name="MediaServiceMetadata" ma:index="8">
+      <xsd:simpleType xmlns:xsd="http://www.w3.org/2001/XMLSchema">
+        <xsd:restriction xmlns:xsd="http://www.w3.org/2001/XMLSchema" base="dms:Note"/>
       </xsd:simpleType>
     </xsd:element>
-    <xsd:element name="MediaServiceFastMetadata" ma:index="9" nillable="true" ma:displayName="MediaServiceFastMetadata" ma:hidden="true" ma:internalName="MediaServiceFastMetadata" ma:readOnly="true">
-      <xsd:simpleType>
-        <xsd:restriction base="dms:Note"/>
+    <xsd:element xmlns:xsd="http://www.w3.org/2001/XMLSchema" xmlns:ma="http://schemas.microsoft.com/office/2006/metadata/properties/metaAttributes" ma:internalName="MediaServiceFastMetadata" ma:readOnly="true" ma:displayName="MediaServiceFastMetadata" ma:hidden="true" nillable="true" name="MediaServiceFastMetadata" ma:index="9">
+      <xsd:simpleType xmlns:xsd="http://www.w3.org/2001/XMLSchema">
+        <xsd:restriction xmlns:xsd="http://www.w3.org/2001/XMLSchema" base="dms:Note"/>
       </xsd:simpleType>
     </xsd:element>
-    <xsd:element name="MediaServiceObjectDetectorVersions" ma:index="10" nillable="true" ma:displayName="MediaServiceObjectDetectorVersions" ma:hidden="true" ma:indexed="true" ma:internalName="MediaServiceObjectDetectorVersions" ma:readOnly="true">
-      <xsd:simpleType>
-        <xsd:restriction base="dms:Text"/>
+    <xsd:element xmlns:xsd="http://www.w3.org/2001/XMLSchema" xmlns:ma="http://schemas.microsoft.com/office/2006/metadata/properties/metaAttributes" ma:indexed="true" ma:internalName="MediaServiceObjectDetectorVersions" ma:readOnly="true" ma:displayName="MediaServiceObjectDetectorVersions" ma:hidden="true" nillable="true" name="MediaServiceObjectDetectorVersions" ma:index="10">
+      <xsd:simpleType xmlns:xsd="http://www.w3.org/2001/XMLSchema">
+        <xsd:restriction xmlns:xsd="http://www.w3.org/2001/XMLSchema" base="dms:Text"/>
       </xsd:simpleType>
     </xsd:element>
-    <xsd:element name="lcf76f155ced4ddcb4097134ff3c332f" ma:index="14" nillable="true" ma:taxonomy="true" ma:internalName="lcf76f155ced4ddcb4097134ff3c332f" ma:taxonomyFieldName="MediaServiceImageTags" ma:displayName="画像タグ" ma:readOnly="false" ma:fieldId="{5cf76f15-5ced-4ddc-b409-7134ff3c332f}" ma:taxonomyMulti="true" ma:sspId="f9a6e57e-6cfe-4953-900a-dc47d88d27bc" ma:termSetId="09814cd3-568e-fe90-9814-8d621ff8fb84" ma:anchorId="fba54fb3-c3e1-fe81-a776-ca4b69148c4d" ma:open="true" ma:isKeyword="false">
-      <xsd:complexType>
-        <xsd:sequence>
-          <xsd:element ref="pc:Terms" minOccurs="0" maxOccurs="1"/>
+    <xsd:element xmlns:xsd="http://www.w3.org/2001/XMLSchema" xmlns:ma="http://schemas.microsoft.com/office/2006/metadata/properties/metaAttributes" ma:taxonomyFieldName="MediaServiceImageTags" ma:isKeyword="false" ma:internalName="lcf76f155ced4ddcb4097134ff3c332f" ma:readOnly="false" ma:taxonomy="true" ma:fieldId="{5cf76f15-5ced-4ddc-b409-7134ff3c332f}" ma:sspId="f9a6e57e-6cfe-4953-900a-dc47d88d27bc" ma:taxonomyMulti="true" ma:displayName="画像タグ" ma:termSetId="09814cd3-568e-fe90-9814-8d621ff8fb84" nillable="true" ma:open="true" name="lcf76f155ced4ddcb4097134ff3c332f" ma:index="14" ma:anchorId="fba54fb3-c3e1-fe81-a776-ca4b69148c4d">
+      <xsd:complexType xmlns:xsd="http://www.w3.org/2001/XMLSchema">
+        <xsd:sequence xmlns:xsd="http://www.w3.org/2001/XMLSchema">
+          <xsd:element xmlns:xsd="http://www.w3.org/2001/XMLSchema" ref="pc:Terms" minOccurs="0" maxOccurs="1"/>
         </xsd:sequence>
       </xsd:complexType>
     </xsd:element>
-    <xsd:element name="MediaServiceOCR" ma:index="16" nillable="true" ma:displayName="Extracted Text" ma:internalName="MediaServiceOCR" ma:readOnly="true">
-      <xsd:simpleType>
-        <xsd:restriction base="dms:Note">
-          <xsd:maxLength value="255"/>
+    <xsd:element xmlns:xsd="http://www.w3.org/2001/XMLSchema" xmlns:ma="http://schemas.microsoft.com/office/2006/metadata/properties/metaAttributes" ma:internalName="MediaServiceOCR" ma:readOnly="true" ma:displayName="Extracted Text" nillable="true" name="MediaServiceOCR" ma:index="16">
+      <xsd:simpleType xmlns:xsd="http://www.w3.org/2001/XMLSchema">
+        <xsd:restriction xmlns:xsd="http://www.w3.org/2001/XMLSchema" base="dms:Note">
+          <xsd:maxLength xmlns:xsd="http://www.w3.org/2001/XMLSchema" value="255"/>
         </xsd:restriction>
       </xsd:simpleType>
     </xsd:element>
-    <xsd:element name="MediaServiceGenerationTime" ma:index="17" nillable="true" ma:displayName="MediaServiceGenerationTime" ma:hidden="true" ma:internalName="MediaServiceGenerationTime" ma:readOnly="true">
-      <xsd:simpleType>
-        <xsd:restriction base="dms:Text"/>
+    <xsd:element xmlns:xsd="http://www.w3.org/2001/XMLSchema" xmlns:ma="http://schemas.microsoft.com/office/2006/metadata/properties/metaAttributes" ma:internalName="MediaServiceGenerationTime" ma:readOnly="true" ma:displayName="MediaServiceGenerationTime" ma:hidden="true" nillable="true" name="MediaServiceGenerationTime" ma:index="17">
+      <xsd:simpleType xmlns:xsd="http://www.w3.org/2001/XMLSchema">
+        <xsd:restriction xmlns:xsd="http://www.w3.org/2001/XMLSchema" base="dms:Text"/>
       </xsd:simpleType>
     </xsd:element>
-    <xsd:element name="MediaServiceEventHashCode" ma:index="18" nillable="true" ma:displayName="MediaServiceEventHashCode" ma:hidden="true" ma:internalName="MediaServiceEventHashCode" ma:readOnly="true">
-      <xsd:simpleType>
-        <xsd:restriction base="dms:Text"/>
+    <xsd:element xmlns:xsd="http://www.w3.org/2001/XMLSchema" xmlns:ma="http://schemas.microsoft.com/office/2006/metadata/properties/metaAttributes" ma:internalName="MediaServiceEventHashCode" ma:readOnly="true" ma:displayName="MediaServiceEventHashCode" ma:hidden="true" nillable="true" name="MediaServiceEventHashCode" ma:index="18">
+      <xsd:simpleType xmlns:xsd="http://www.w3.org/2001/XMLSchema">
+        <xsd:restriction xmlns:xsd="http://www.w3.org/2001/XMLSchema" base="dms:Text"/>
       </xsd:simpleType>
     </xsd:element>
-    <xsd:element name="MediaServiceDateTaken" ma:index="19" nillable="true" ma:displayName="MediaServiceDateTaken" ma:hidden="true" ma:indexed="true" ma:internalName="MediaServiceDateTaken" ma:readOnly="true">
-      <xsd:simpleType>
-        <xsd:restriction base="dms:Text"/>
+    <xsd:element xmlns:xsd="http://www.w3.org/2001/XMLSchema" xmlns:ma="http://schemas.microsoft.com/office/2006/metadata/properties/metaAttributes" ma:indexed="true" ma:internalName="MediaServiceDateTaken" ma:readOnly="true" ma:displayName="MediaServiceDateTaken" ma:hidden="true" nillable="true" name="MediaServiceDateTaken" ma:index="19">
+      <xsd:simpleType xmlns:xsd="http://www.w3.org/2001/XMLSchema">
+        <xsd:restriction xmlns:xsd="http://www.w3.org/2001/XMLSchema" base="dms:Text"/>
       </xsd:simpleType>
     </xsd:element>
-    <xsd:element name="MediaLengthInSeconds" ma:index="20" nillable="true" ma:displayName="MediaLengthInSeconds" ma:hidden="true" ma:internalName="MediaLengthInSeconds" ma:readOnly="true">
-      <xsd:simpleType>
-        <xsd:restriction base="dms:Unknown"/>
+    <xsd:element xmlns:xsd="http://www.w3.org/2001/XMLSchema" xmlns:ma="http://schemas.microsoft.com/office/2006/metadata/properties/metaAttributes" ma:internalName="MediaLengthInSeconds" ma:readOnly="true" ma:displayName="MediaLengthInSeconds" ma:hidden="true" nillable="true" name="MediaLengthInSeconds" ma:index="20">
+      <xsd:simpleType xmlns:xsd="http://www.w3.org/2001/XMLSchema">
+        <xsd:restriction xmlns:xsd="http://www.w3.org/2001/XMLSchema" base="dms:Unknown"/>
       </xsd:simpleType>
     </xsd:element>
-    <xsd:element name="MediaServiceSearchProperties" ma:index="21" nillable="true" ma:displayName="MediaServiceSearchProperties" ma:hidden="true" ma:internalName="MediaServiceSearchProperties" ma:readOnly="true">
-      <xsd:simpleType>
-        <xsd:restriction base="dms:Note"/>
+    <xsd:element xmlns:xsd="http://www.w3.org/2001/XMLSchema" xmlns:ma="http://schemas.microsoft.com/office/2006/metadata/properties/metaAttributes" ma:internalName="MediaServiceSearchProperties" ma:readOnly="true" ma:displayName="MediaServiceSearchProperties" ma:hidden="true" nillable="true" name="MediaServiceSearchProperties" ma:index="21">
+      <xsd:simpleType xmlns:xsd="http://www.w3.org/2001/XMLSchema">
+        <xsd:restriction xmlns:xsd="http://www.w3.org/2001/XMLSchema" base="dms:Note"/>
       </xsd:simpleType>
     </xsd:element>
-    <xsd:element name="MediaServiceLocation" ma:index="22" nillable="true" ma:displayName="Location" ma:indexed="true" ma:internalName="MediaServiceLocation" ma:readOnly="true">
-      <xsd:simpleType>
-        <xsd:restriction base="dms:Text"/>
+    <xsd:element xmlns:xsd="http://www.w3.org/2001/XMLSchema" xmlns:ma="http://schemas.microsoft.com/office/2006/metadata/properties/metaAttributes" ma:indexed="true" ma:internalName="MediaServiceLocation" ma:readOnly="true" ma:displayName="Location" nillable="true" name="MediaServiceLocation" ma:index="22">
+      <xsd:simpleType xmlns:xsd="http://www.w3.org/2001/XMLSchema">
+        <xsd:restriction xmlns:xsd="http://www.w3.org/2001/XMLSchema" base="dms:Text"/>
       </xsd:simpleType>
     </xsd:element>
   </xsd:schema>
-  <xsd:schema xmlns:xsd="http://www.w3.org/2001/XMLSchema" xmlns:xs="http://www.w3.org/2001/XMLSchema" xmlns:dms="http://schemas.microsoft.com/office/2006/documentManagement/types" xmlns:pc="http://schemas.microsoft.com/office/infopath/2007/PartnerControls" targetNamespace="2287e552-7420-4018-b23e-1835186724e2" elementFormDefault="qualified">
-    <xsd:import namespace="http://schemas.microsoft.com/office/2006/documentManagement/types"/>
-    <xsd:import namespace="http://schemas.microsoft.com/office/infopath/2007/PartnerControls"/>
-    <xsd:element name="SharedWithUsers" ma:index="11" nillable="true" ma:displayName="共有相手" ma:internalName="SharedWithUsers" ma:readOnly="true">
-      <xsd:complexType>
-        <xsd:complexContent>
-          <xsd:extension base="dms:UserMulti">
-            <xsd:sequence>
-              <xsd:element name="UserInfo" minOccurs="0" maxOccurs="unbounded">
-                <xsd:complexType>
-                  <xsd:sequence>
-                    <xsd:element name="DisplayName" type="xsd:string" minOccurs="0"/>
-                    <xsd:element name="AccountId" type="dms:UserId" minOccurs="0" nillable="true"/>
-                    <xsd:element name="AccountType" type="xsd:string" minOccurs="0"/>
+  <xsd:schema xmlns:xsd="http://www.w3.org/2001/XMLSchema" elementFormDefault="qualified" targetNamespace="2287e552-7420-4018-b23e-1835186724e2">
+    <xsd:import xmlns:xsd="http://www.w3.org/2001/XMLSchema" namespace="http://schemas.microsoft.com/office/2006/documentManagement/types"/>
+    <xsd:import xmlns:xsd="http://www.w3.org/2001/XMLSchema" namespace="http://schemas.microsoft.com/office/infopath/2007/PartnerControls"/>
+    <xsd:element xmlns:xsd="http://www.w3.org/2001/XMLSchema" xmlns:ma="http://schemas.microsoft.com/office/2006/metadata/properties/metaAttributes" ma:internalName="SharedWithUsers" ma:readOnly="true" ma:displayName="共有相手" nillable="true" name="SharedWithUsers" ma:index="11">
+      <xsd:complexType xmlns:xsd="http://www.w3.org/2001/XMLSchema">
+        <xsd:complexContent xmlns:xsd="http://www.w3.org/2001/XMLSchema">
+          <xsd:extension xmlns:xsd="http://www.w3.org/2001/XMLSchema" base="dms:UserMulti">
+            <xsd:sequence xmlns:xsd="http://www.w3.org/2001/XMLSchema">
+              <xsd:element xmlns:xsd="http://www.w3.org/2001/XMLSchema" minOccurs="0" maxOccurs="unbounded" name="UserInfo">
+                <xsd:complexType xmlns:xsd="http://www.w3.org/2001/XMLSchema">
+                  <xsd:sequence xmlns:xsd="http://www.w3.org/2001/XMLSchema">
+                    <xsd:element xmlns:xsd="http://www.w3.org/2001/XMLSchema" minOccurs="0" type="xsd:string" name="DisplayName"/>
+                    <xsd:element xmlns:xsd="http://www.w3.org/2001/XMLSchema" minOccurs="0" type="dms:UserId" nillable="true" name="AccountId"/>
+                    <xsd:element xmlns:xsd="http://www.w3.org/2001/XMLSchema" minOccurs="0" type="xsd:string" name="AccountType"/>
                   </xsd:sequence>
                 </xsd:complexType>
               </xsd:element>
@@ -12280,120 +12433,120 @@
         </xsd:complexContent>
       </xsd:complexType>
     </xsd:element>
-    <xsd:element name="SharedWithDetails" ma:index="12" nillable="true" ma:displayName="共有相手の詳細情報" ma:internalName="SharedWithDetails" ma:readOnly="true">
-      <xsd:simpleType>
-        <xsd:restriction base="dms:Note">
-          <xsd:maxLength value="255"/>
+    <xsd:element xmlns:xsd="http://www.w3.org/2001/XMLSchema" xmlns:ma="http://schemas.microsoft.com/office/2006/metadata/properties/metaAttributes" ma:internalName="SharedWithDetails" ma:readOnly="true" ma:displayName="共有相手の詳細情報" nillable="true" name="SharedWithDetails" ma:index="12">
+      <xsd:simpleType xmlns:xsd="http://www.w3.org/2001/XMLSchema">
+        <xsd:restriction xmlns:xsd="http://www.w3.org/2001/XMLSchema" base="dms:Note">
+          <xsd:maxLength xmlns:xsd="http://www.w3.org/2001/XMLSchema" value="255"/>
         </xsd:restriction>
       </xsd:simpleType>
     </xsd:element>
-    <xsd:element name="TaxCatchAll" ma:index="15" nillable="true" ma:displayName="Taxonomy Catch All Column" ma:hidden="true" ma:list="{60dacb6d-3e2d-46f0-9618-2161a2a82969}" ma:internalName="TaxCatchAll" ma:showField="CatchAllData" ma:web="2287e552-7420-4018-b23e-1835186724e2">
-      <xsd:complexType>
-        <xsd:complexContent>
-          <xsd:extension base="dms:MultiChoiceLookup">
-            <xsd:sequence>
-              <xsd:element name="Value" type="dms:Lookup" maxOccurs="unbounded" minOccurs="0" nillable="true"/>
+    <xsd:element xmlns:xsd="http://www.w3.org/2001/XMLSchema" xmlns:ma="http://schemas.microsoft.com/office/2006/metadata/properties/metaAttributes" ma:web="2287e552-7420-4018-b23e-1835186724e2" ma:list="{60dacb6d-3e2d-46f0-9618-2161a2a82969}" ma:internalName="TaxCatchAll" ma:displayName="Taxonomy Catch All Column" ma:hidden="true" nillable="true" ma:showField="CatchAllData" name="TaxCatchAll" ma:index="15">
+      <xsd:complexType xmlns:xsd="http://www.w3.org/2001/XMLSchema">
+        <xsd:complexContent xmlns:xsd="http://www.w3.org/2001/XMLSchema">
+          <xsd:extension xmlns:xsd="http://www.w3.org/2001/XMLSchema" base="dms:MultiChoiceLookup">
+            <xsd:sequence xmlns:xsd="http://www.w3.org/2001/XMLSchema">
+              <xsd:element xmlns:xsd="http://www.w3.org/2001/XMLSchema" minOccurs="0" type="dms:Lookup" nillable="true" maxOccurs="unbounded" name="Value"/>
             </xsd:sequence>
           </xsd:extension>
         </xsd:complexContent>
       </xsd:complexType>
     </xsd:element>
   </xsd:schema>
-  <xsd:schema xmlns="http://schemas.openxmlformats.org/package/2006/metadata/core-properties" xmlns:xsd="http://www.w3.org/2001/XMLSchema" xmlns:xsi="http://www.w3.org/2001/XMLSchema-instance" xmlns:dc="http://purl.org/dc/elements/1.1/" xmlns:dcterms="http://purl.org/dc/terms/" xmlns:odoc="http://schemas.microsoft.com/internal/obd" targetNamespace="http://schemas.openxmlformats.org/package/2006/metadata/core-properties" elementFormDefault="qualified" attributeFormDefault="unqualified" blockDefault="#all">
-    <xsd:import namespace="http://purl.org/dc/elements/1.1/" schemaLocation="http://dublincore.org/schemas/xmls/qdc/2003/04/02/dc.xsd"/>
-    <xsd:import namespace="http://purl.org/dc/terms/" schemaLocation="http://dublincore.org/schemas/xmls/qdc/2003/04/02/dcterms.xsd"/>
-    <xsd:element name="coreProperties" type="CT_coreProperties"/>
-    <xsd:complexType name="CT_coreProperties">
-      <xsd:all>
-        <xsd:element ref="dc:creator" minOccurs="0" maxOccurs="1"/>
-        <xsd:element ref="dcterms:created" minOccurs="0" maxOccurs="1"/>
-        <xsd:element ref="dc:identifier" minOccurs="0" maxOccurs="1"/>
-        <xsd:element name="contentType" minOccurs="0" maxOccurs="1" type="xsd:string" ma:index="0" ma:displayName="コンテンツ タイプ"/>
-        <xsd:element ref="dc:title" minOccurs="0" maxOccurs="1" ma:index="4" ma:displayName="タイトル"/>
-        <xsd:element ref="dc:subject" minOccurs="0" maxOccurs="1"/>
-        <xsd:element ref="dc:description" minOccurs="0" maxOccurs="1"/>
-        <xsd:element name="keywords" minOccurs="0" maxOccurs="1" type="xsd:string"/>
-        <xsd:element ref="dc:language" minOccurs="0" maxOccurs="1"/>
-        <xsd:element name="category" minOccurs="0" maxOccurs="1" type="xsd:string"/>
-        <xsd:element name="version" minOccurs="0" maxOccurs="1" type="xsd:string"/>
-        <xsd:element name="revision" minOccurs="0" maxOccurs="1" type="xsd:string">
-          <xsd:annotation>
-            <xsd:documentation>
-                        This value indicates the number of saves or revisions. The application is responsible for updating this value after each revision.
+  <xsd:schema xmlns:xsd="http://www.w3.org/2001/XMLSchema" attributeFormDefault="unqualified" elementFormDefault="qualified" targetNamespace="http://schemas.openxmlformats.org/package/2006/metadata/core-properties" blockDefault="#all">
+    <xsd:import xmlns:xsd="http://www.w3.org/2001/XMLSchema" namespace="http://purl.org/dc/elements/1.1/" schemaLocation="http://dublincore.org/schemas/xmls/qdc/2003/04/02/dc.xsd"/>
+    <xsd:import xmlns:xsd="http://www.w3.org/2001/XMLSchema" namespace="http://purl.org/dc/terms/" schemaLocation="http://dublincore.org/schemas/xmls/qdc/2003/04/02/dcterms.xsd"/>
+    <xsd:element xmlns:xsd="http://www.w3.org/2001/XMLSchema" type="CT_coreProperties" name="coreProperties"/>
+    <xsd:complexType xmlns:xsd="http://www.w3.org/2001/XMLSchema" name="CT_coreProperties">
+      <xsd:all xmlns:xsd="http://www.w3.org/2001/XMLSchema">
+        <xsd:element xmlns:xsd="http://www.w3.org/2001/XMLSchema" ref="dc:creator" minOccurs="0" maxOccurs="1"/>
+        <xsd:element xmlns:xsd="http://www.w3.org/2001/XMLSchema" ref="dcterms:created" minOccurs="0" maxOccurs="1"/>
+        <xsd:element xmlns:xsd="http://www.w3.org/2001/XMLSchema" ref="dc:identifier" minOccurs="0" maxOccurs="1"/>
+        <xsd:element xmlns:xsd="http://www.w3.org/2001/XMLSchema" xmlns:ma="http://schemas.microsoft.com/office/2006/metadata/properties/metaAttributes" minOccurs="0" type="xsd:string" ma:displayName="コンテンツ タイプ" maxOccurs="1" name="contentType" ma:index="0"/>
+        <xsd:element xmlns:xsd="http://www.w3.org/2001/XMLSchema" xmlns:ma="http://schemas.microsoft.com/office/2006/metadata/properties/metaAttributes" ref="dc:title" minOccurs="0" ma:displayName="タイトル" maxOccurs="1" ma:index="4"/>
+        <xsd:element xmlns:xsd="http://www.w3.org/2001/XMLSchema" ref="dc:subject" minOccurs="0" maxOccurs="1"/>
+        <xsd:element xmlns:xsd="http://www.w3.org/2001/XMLSchema" ref="dc:description" minOccurs="0" maxOccurs="1"/>
+        <xsd:element xmlns:xsd="http://www.w3.org/2001/XMLSchema" minOccurs="0" type="xsd:string" maxOccurs="1" name="keywords"/>
+        <xsd:element xmlns:xsd="http://www.w3.org/2001/XMLSchema" ref="dc:language" minOccurs="0" maxOccurs="1"/>
+        <xsd:element xmlns:xsd="http://www.w3.org/2001/XMLSchema" minOccurs="0" type="xsd:string" maxOccurs="1" name="category"/>
+        <xsd:element xmlns:xsd="http://www.w3.org/2001/XMLSchema" minOccurs="0" type="xsd:string" maxOccurs="1" name="version"/>
+        <xsd:element xmlns:xsd="http://www.w3.org/2001/XMLSchema" minOccurs="0" type="xsd:string" maxOccurs="1" name="revision">
+          <xsd:annotation xmlns:xsd="http://www.w3.org/2001/XMLSchema">
+            <xsd:documentation xmlns:xsd="http://www.w3.org/2001/XMLSchema">
+                        This value indicates the number of saves or revisions. The application is responsible for updating this value after each revision.
                     </xsd:documentation>
           </xsd:annotation>
         </xsd:element>
-        <xsd:element name="lastModifiedBy" minOccurs="0" maxOccurs="1" type="xsd:string"/>
-        <xsd:element ref="dcterms:modified" minOccurs="0" maxOccurs="1"/>
-        <xsd:element name="contentStatus" minOccurs="0" maxOccurs="1" type="xsd:string"/>
+        <xsd:element xmlns:xsd="http://www.w3.org/2001/XMLSchema" minOccurs="0" type="xsd:string" maxOccurs="1" name="lastModifiedBy"/>
+        <xsd:element xmlns:xsd="http://www.w3.org/2001/XMLSchema" ref="dcterms:modified" minOccurs="0" maxOccurs="1"/>
+        <xsd:element xmlns:xsd="http://www.w3.org/2001/XMLSchema" minOccurs="0" type="xsd:string" maxOccurs="1" name="contentStatus"/>
       </xsd:all>
     </xsd:complexType>
   </xsd:schema>
-  <xs:schema xmlns:pc="http://schemas.microsoft.com/office/infopath/2007/PartnerControls" xmlns:xs="http://www.w3.org/2001/XMLSchema" targetNamespace="http://schemas.microsoft.com/office/infopath/2007/PartnerControls" elementFormDefault="qualified" attributeFormDefault="unqualified">
-    <xs:element name="Person">
-      <xs:complexType>
-        <xs:sequence>
-          <xs:element ref="pc:DisplayName" minOccurs="0"/>
-          <xs:element ref="pc:AccountId" minOccurs="0"/>
-          <xs:element ref="pc:AccountType" minOccurs="0"/>
+  <xs:schema xmlns:xs="http://www.w3.org/2001/XMLSchema" attributeFormDefault="unqualified" elementFormDefault="qualified" targetNamespace="http://schemas.microsoft.com/office/infopath/2007/PartnerControls">
+    <xs:element xmlns:xs="http://www.w3.org/2001/XMLSchema" name="Person">
+      <xs:complexType xmlns:xs="http://www.w3.org/2001/XMLSchema">
+        <xs:sequence xmlns:xs="http://www.w3.org/2001/XMLSchema">
+          <xs:element xmlns:xs="http://www.w3.org/2001/XMLSchema" ref="pc:DisplayName" minOccurs="0"/>
+          <xs:element xmlns:xs="http://www.w3.org/2001/XMLSchema" ref="pc:AccountId" minOccurs="0"/>
+          <xs:element xmlns:xs="http://www.w3.org/2001/XMLSchema" ref="pc:AccountType" minOccurs="0"/>
         </xs:sequence>
       </xs:complexType>
     </xs:element>
-    <xs:element name="DisplayName" type="xs:string"/>
-    <xs:element name="AccountId" type="xs:string"/>
-    <xs:element name="AccountType" type="xs:string"/>
-    <xs:element name="BDCAssociatedEntity">
-      <xs:complexType>
-        <xs:sequence>
-          <xs:element ref="pc:BDCEntity" minOccurs="0" maxOccurs="unbounded"/>
+    <xs:element xmlns:xs="http://www.w3.org/2001/XMLSchema" type="xs:string" name="DisplayName"/>
+    <xs:element xmlns:xs="http://www.w3.org/2001/XMLSchema" type="xs:string" name="AccountId"/>
+    <xs:element xmlns:xs="http://www.w3.org/2001/XMLSchema" type="xs:string" name="AccountType"/>
+    <xs:element xmlns:xs="http://www.w3.org/2001/XMLSchema" name="BDCAssociatedEntity">
+      <xs:complexType xmlns:xs="http://www.w3.org/2001/XMLSchema">
+        <xs:sequence xmlns:xs="http://www.w3.org/2001/XMLSchema">
+          <xs:element xmlns:xs="http://www.w3.org/2001/XMLSchema" ref="pc:BDCEntity" minOccurs="0" maxOccurs="unbounded"/>
         </xs:sequence>
-        <xs:attribute ref="pc:EntityNamespace"/>
-        <xs:attribute ref="pc:EntityName"/>
-        <xs:attribute ref="pc:SystemInstanceName"/>
-        <xs:attribute ref="pc:AssociationName"/>
+        <xs:attribute xmlns:xs="http://www.w3.org/2001/XMLSchema" ref="pc:EntityNamespace"/>
+        <xs:attribute xmlns:xs="http://www.w3.org/2001/XMLSchema" ref="pc:EntityName"/>
+        <xs:attribute xmlns:xs="http://www.w3.org/2001/XMLSchema" ref="pc:SystemInstanceName"/>
+        <xs:attribute xmlns:xs="http://www.w3.org/2001/XMLSchema" ref="pc:AssociationName"/>
       </xs:complexType>
     </xs:element>
-    <xs:attribute name="EntityNamespace" type="xs:string"/>
-    <xs:attribute name="EntityName" type="xs:string"/>
-    <xs:attribute name="SystemInstanceName" type="xs:string"/>
-    <xs:attribute name="AssociationName" type="xs:string"/>
-    <xs:element name="BDCEntity">
-      <xs:complexType>
-        <xs:sequence>
-          <xs:element ref="pc:EntityDisplayName" minOccurs="0"/>
-          <xs:element ref="pc:EntityInstanceReference" minOccurs="0"/>
-          <xs:element ref="pc:EntityId1" minOccurs="0"/>
-          <xs:element ref="pc:EntityId2" minOccurs="0"/>
-          <xs:element ref="pc:EntityId3" minOccurs="0"/>
-          <xs:element ref="pc:EntityId4" minOccurs="0"/>
-          <xs:element ref="pc:EntityId5" minOccurs="0"/>
+    <xs:attribute xmlns:xs="http://www.w3.org/2001/XMLSchema" type="xs:string" name="EntityNamespace"/>
+    <xs:attribute xmlns:xs="http://www.w3.org/2001/XMLSchema" type="xs:string" name="EntityName"/>
+    <xs:attribute xmlns:xs="http://www.w3.org/2001/XMLSchema" type="xs:string" name="SystemInstanceName"/>
+    <xs:attribute xmlns:xs="http://www.w3.org/2001/XMLSchema" type="xs:string" name="AssociationName"/>
+    <xs:element xmlns:xs="http://www.w3.org/2001/XMLSchema" name="BDCEntity">
+      <xs:complexType xmlns:xs="http://www.w3.org/2001/XMLSchema">
+        <xs:sequence xmlns:xs="http://www.w3.org/2001/XMLSchema">
+          <xs:element xmlns:xs="http://www.w3.org/2001/XMLSchema" ref="pc:EntityDisplayName" minOccurs="0"/>
+          <xs:element xmlns:xs="http://www.w3.org/2001/XMLSchema" ref="pc:EntityInstanceReference" minOccurs="0"/>
+          <xs:element xmlns:xs="http://www.w3.org/2001/XMLSchema" ref="pc:EntityId1" minOccurs="0"/>
+          <xs:element xmlns:xs="http://www.w3.org/2001/XMLSchema" ref="pc:EntityId2" minOccurs="0"/>
+          <xs:element xmlns:xs="http://www.w3.org/2001/XMLSchema" ref="pc:EntityId3" minOccurs="0"/>
+          <xs:element xmlns:xs="http://www.w3.org/2001/XMLSchema" ref="pc:EntityId4" minOccurs="0"/>
+          <xs:element xmlns:xs="http://www.w3.org/2001/XMLSchema" ref="pc:EntityId5" minOccurs="0"/>
         </xs:sequence>
       </xs:complexType>
     </xs:element>
-    <xs:element name="EntityDisplayName" type="xs:string"/>
-    <xs:element name="EntityInstanceReference" type="xs:string"/>
-    <xs:element name="EntityId1" type="xs:string"/>
-    <xs:element name="EntityId2" type="xs:string"/>
-    <xs:element name="EntityId3" type="xs:string"/>
-    <xs:element name="EntityId4" type="xs:string"/>
-    <xs:element name="EntityId5" type="xs:string"/>
-    <xs:element name="Terms">
-      <xs:complexType>
-        <xs:sequence>
-          <xs:element ref="pc:TermInfo" minOccurs="0" maxOccurs="unbounded"/>
+    <xs:element xmlns:xs="http://www.w3.org/2001/XMLSchema" type="xs:string" name="EntityDisplayName"/>
+    <xs:element xmlns:xs="http://www.w3.org/2001/XMLSchema" type="xs:string" name="EntityInstanceReference"/>
+    <xs:element xmlns:xs="http://www.w3.org/2001/XMLSchema" type="xs:string" name="EntityId1"/>
+    <xs:element xmlns:xs="http://www.w3.org/2001/XMLSchema" type="xs:string" name="EntityId2"/>
+    <xs:element xmlns:xs="http://www.w3.org/2001/XMLSchema" type="xs:string" name="EntityId3"/>
+    <xs:element xmlns:xs="http://www.w3.org/2001/XMLSchema" type="xs:string" name="EntityId4"/>
+    <xs:element xmlns:xs="http://www.w3.org/2001/XMLSchema" type="xs:string" name="EntityId5"/>
+    <xs:element xmlns:xs="http://www.w3.org/2001/XMLSchema" name="Terms">
+      <xs:complexType xmlns:xs="http://www.w3.org/2001/XMLSchema">
+        <xs:sequence xmlns:xs="http://www.w3.org/2001/XMLSchema">
+          <xs:element xmlns:xs="http://www.w3.org/2001/XMLSchema" ref="pc:TermInfo" minOccurs="0" maxOccurs="unbounded"/>
         </xs:sequence>
       </xs:complexType>
     </xs:element>
-    <xs:element name="TermInfo">
-      <xs:complexType>
-        <xs:sequence>
-          <xs:element ref="pc:TermName" minOccurs="0"/>
-          <xs:element ref="pc:TermId" minOccurs="0"/>
+    <xs:element xmlns:xs="http://www.w3.org/2001/XMLSchema" name="TermInfo">
+      <xs:complexType xmlns:xs="http://www.w3.org/2001/XMLSchema">
+        <xs:sequence xmlns:xs="http://www.w3.org/2001/XMLSchema">
+          <xs:element xmlns:xs="http://www.w3.org/2001/XMLSchema" ref="pc:TermName" minOccurs="0"/>
+          <xs:element xmlns:xs="http://www.w3.org/2001/XMLSchema" ref="pc:TermId" minOccurs="0"/>
         </xs:sequence>
       </xs:complexType>
     </xs:element>
-    <xs:element name="TermName" type="xs:string"/>
-    <xs:element name="TermId" type="xs:string"/>
+    <xs:element xmlns:xs="http://www.w3.org/2001/XMLSchema" type="xs:string" name="TermName"/>
+    <xs:element xmlns:xs="http://www.w3.org/2001/XMLSchema" type="xs:string" name="TermId"/>
   </xs:schema>
 </ct:contentTypeSchema>
 </file>
